--- a/프로젝트 발표자료/스크립트 언어 기말 발표.pptx
+++ b/프로젝트 발표자료/스크립트 언어 기말 발표.pptx
@@ -9,7 +9,8 @@
     <p:sldId id="257" r:id="rId3"/>
     <p:sldId id="259" r:id="rId4"/>
     <p:sldId id="258" r:id="rId5"/>
-    <p:sldId id="261" r:id="rId6"/>
+    <p:sldId id="262" r:id="rId6"/>
+    <p:sldId id="261" r:id="rId7"/>
   </p:sldIdLst>
   <p:sldSz cx="12192000" cy="6858000"/>
   <p:notesSz cx="6858000" cy="9144000"/>
@@ -255,7 +256,7 @@
           <a:p>
             <a:fld id="{4C7A1CB5-C0F4-4388-8B9B-96CCC9924603}" type="datetimeFigureOut">
               <a:rPr lang="ko-KR" altLang="en-US" smtClean="0"/>
-              <a:t>2022-05-30</a:t>
+              <a:t>2022-06-13</a:t>
             </a:fld>
             <a:endParaRPr lang="ko-KR" altLang="en-US"/>
           </a:p>
@@ -466,7 +467,7 @@
           <a:p>
             <a:fld id="{4C7A1CB5-C0F4-4388-8B9B-96CCC9924603}" type="datetimeFigureOut">
               <a:rPr lang="ko-KR" altLang="en-US" smtClean="0"/>
-              <a:t>2022-05-30</a:t>
+              <a:t>2022-06-13</a:t>
             </a:fld>
             <a:endParaRPr lang="ko-KR" altLang="en-US"/>
           </a:p>
@@ -681,7 +682,7 @@
           <a:p>
             <a:fld id="{4C7A1CB5-C0F4-4388-8B9B-96CCC9924603}" type="datetimeFigureOut">
               <a:rPr lang="ko-KR" altLang="en-US" smtClean="0"/>
-              <a:t>2022-05-30</a:t>
+              <a:t>2022-06-13</a:t>
             </a:fld>
             <a:endParaRPr lang="ko-KR" altLang="en-US"/>
           </a:p>
@@ -882,7 +883,7 @@
           <a:p>
             <a:fld id="{4C7A1CB5-C0F4-4388-8B9B-96CCC9924603}" type="datetimeFigureOut">
               <a:rPr lang="ko-KR" altLang="en-US" smtClean="0"/>
-              <a:t>2022-05-30</a:t>
+              <a:t>2022-06-13</a:t>
             </a:fld>
             <a:endParaRPr lang="ko-KR" altLang="en-US"/>
           </a:p>
@@ -1161,7 +1162,7 @@
           <a:p>
             <a:fld id="{4C7A1CB5-C0F4-4388-8B9B-96CCC9924603}" type="datetimeFigureOut">
               <a:rPr lang="ko-KR" altLang="en-US" smtClean="0"/>
-              <a:t>2022-05-30</a:t>
+              <a:t>2022-06-13</a:t>
             </a:fld>
             <a:endParaRPr lang="ko-KR" altLang="en-US"/>
           </a:p>
@@ -1429,7 +1430,7 @@
           <a:p>
             <a:fld id="{4C7A1CB5-C0F4-4388-8B9B-96CCC9924603}" type="datetimeFigureOut">
               <a:rPr lang="ko-KR" altLang="en-US" smtClean="0"/>
-              <a:t>2022-05-30</a:t>
+              <a:t>2022-06-13</a:t>
             </a:fld>
             <a:endParaRPr lang="ko-KR" altLang="en-US"/>
           </a:p>
@@ -1845,7 +1846,7 @@
           <a:p>
             <a:fld id="{4C7A1CB5-C0F4-4388-8B9B-96CCC9924603}" type="datetimeFigureOut">
               <a:rPr lang="ko-KR" altLang="en-US" smtClean="0"/>
-              <a:t>2022-05-30</a:t>
+              <a:t>2022-06-13</a:t>
             </a:fld>
             <a:endParaRPr lang="ko-KR" altLang="en-US"/>
           </a:p>
@@ -1994,7 +1995,7 @@
           <a:p>
             <a:fld id="{4C7A1CB5-C0F4-4388-8B9B-96CCC9924603}" type="datetimeFigureOut">
               <a:rPr lang="ko-KR" altLang="en-US" smtClean="0"/>
-              <a:t>2022-05-30</a:t>
+              <a:t>2022-06-13</a:t>
             </a:fld>
             <a:endParaRPr lang="ko-KR" altLang="en-US"/>
           </a:p>
@@ -2120,7 +2121,7 @@
           <a:p>
             <a:fld id="{4C7A1CB5-C0F4-4388-8B9B-96CCC9924603}" type="datetimeFigureOut">
               <a:rPr lang="ko-KR" altLang="en-US" smtClean="0"/>
-              <a:t>2022-05-30</a:t>
+              <a:t>2022-06-13</a:t>
             </a:fld>
             <a:endParaRPr lang="ko-KR" altLang="en-US"/>
           </a:p>
@@ -2371,7 +2372,7 @@
           <a:p>
             <a:fld id="{4C7A1CB5-C0F4-4388-8B9B-96CCC9924603}" type="datetimeFigureOut">
               <a:rPr lang="ko-KR" altLang="en-US" smtClean="0"/>
-              <a:t>2022-05-30</a:t>
+              <a:t>2022-06-13</a:t>
             </a:fld>
             <a:endParaRPr lang="ko-KR" altLang="en-US"/>
           </a:p>
@@ -2816,7 +2817,7 @@
           <a:p>
             <a:fld id="{4C7A1CB5-C0F4-4388-8B9B-96CCC9924603}" type="datetimeFigureOut">
               <a:rPr lang="ko-KR" altLang="en-US" smtClean="0"/>
-              <a:t>2022-05-30</a:t>
+              <a:t>2022-06-13</a:t>
             </a:fld>
             <a:endParaRPr lang="ko-KR" altLang="en-US"/>
           </a:p>
@@ -3143,7 +3144,7 @@
           <a:p>
             <a:fld id="{4C7A1CB5-C0F4-4388-8B9B-96CCC9924603}" type="datetimeFigureOut">
               <a:rPr lang="ko-KR" altLang="en-US" smtClean="0"/>
-              <a:t>2022-05-30</a:t>
+              <a:t>2022-06-13</a:t>
             </a:fld>
             <a:endParaRPr lang="ko-KR" altLang="en-US"/>
           </a:p>
@@ -3662,7 +3663,7 @@
                 <a:latin typeface="휴먼둥근헤드라인" panose="02030504000101010101" pitchFamily="18" charset="-127"/>
                 <a:ea typeface="휴먼둥근헤드라인" panose="02030504000101010101" pitchFamily="18" charset="-127"/>
               </a:rPr>
-              <a:t>스크립트 언어 중간 발표</a:t>
+              <a:t>스크립트 언어 기말발표</a:t>
             </a:r>
           </a:p>
         </p:txBody>
@@ -4124,10 +4125,10 @@
       </p:pic>
       <p:pic>
         <p:nvPicPr>
-          <p:cNvPr id="5" name="그림 4">
+          <p:cNvPr id="7" name="그림 6">
             <a:extLst>
               <a:ext uri="{FF2B5EF4-FFF2-40B4-BE49-F238E27FC236}">
-                <a16:creationId xmlns:a16="http://schemas.microsoft.com/office/drawing/2014/main" id="{51571BC3-D97F-1ACC-702D-8FDB1192F272}"/>
+                <a16:creationId xmlns:a16="http://schemas.microsoft.com/office/drawing/2014/main" id="{B57A425E-327B-03AE-6F05-520937481A42}"/>
               </a:ext>
             </a:extLst>
           </p:cNvPr>
@@ -4144,8 +4145,8 @@
         </p:blipFill>
         <p:spPr>
           <a:xfrm>
-            <a:off x="6140097" y="619538"/>
-            <a:ext cx="4295244" cy="5618923"/>
+            <a:off x="6095849" y="328612"/>
+            <a:ext cx="3829050" cy="6200775"/>
           </a:xfrm>
           <a:prstGeom prst="rect">
             <a:avLst/>
@@ -4539,36 +4540,6 @@
           </a:extLst>
         </p:spPr>
       </p:pic>
-      <p:pic>
-        <p:nvPicPr>
-          <p:cNvPr id="9" name="그림 8">
-            <a:extLst>
-              <a:ext uri="{FF2B5EF4-FFF2-40B4-BE49-F238E27FC236}">
-                <a16:creationId xmlns:a16="http://schemas.microsoft.com/office/drawing/2014/main" id="{11381D6F-486F-3EB0-5B24-69FEC2D4DDD8}"/>
-              </a:ext>
-            </a:extLst>
-          </p:cNvPr>
-          <p:cNvPicPr>
-            <a:picLocks noChangeAspect="1"/>
-          </p:cNvPicPr>
-          <p:nvPr/>
-        </p:nvPicPr>
-        <p:blipFill>
-          <a:blip r:embed="rId3"/>
-          <a:stretch>
-            <a:fillRect/>
-          </a:stretch>
-        </p:blipFill>
-        <p:spPr>
-          <a:xfrm>
-            <a:off x="1414583" y="2703442"/>
-            <a:ext cx="3829050" cy="3856383"/>
-          </a:xfrm>
-          <a:prstGeom prst="rect">
-            <a:avLst/>
-          </a:prstGeom>
-        </p:spPr>
-      </p:pic>
       <p:sp>
         <p:nvSpPr>
           <p:cNvPr id="12" name="내용 개체 틀 2">
@@ -4808,17 +4779,47 @@
           <a:p>
             <a:r>
               <a:rPr lang="ko-KR" altLang="en-US" b="1" dirty="0"/>
-              <a:t>이메일</a:t>
+              <a:t>지역 상세검색</a:t>
             </a:r>
           </a:p>
         </p:txBody>
       </p:sp>
       <p:pic>
         <p:nvPicPr>
-          <p:cNvPr id="13" name="그림 12">
+          <p:cNvPr id="16" name="그림 15">
             <a:extLst>
               <a:ext uri="{FF2B5EF4-FFF2-40B4-BE49-F238E27FC236}">
-                <a16:creationId xmlns:a16="http://schemas.microsoft.com/office/drawing/2014/main" id="{CD823440-08B6-7CD7-86A5-601A44AE0729}"/>
+                <a16:creationId xmlns:a16="http://schemas.microsoft.com/office/drawing/2014/main" id="{57EB9EF9-3289-4DBB-6223-1986637CB21B}"/>
+              </a:ext>
+            </a:extLst>
+          </p:cNvPr>
+          <p:cNvPicPr>
+            <a:picLocks noChangeAspect="1"/>
+          </p:cNvPicPr>
+          <p:nvPr/>
+        </p:nvPicPr>
+        <p:blipFill>
+          <a:blip r:embed="rId3"/>
+          <a:stretch>
+            <a:fillRect/>
+          </a:stretch>
+        </p:blipFill>
+        <p:spPr>
+          <a:xfrm>
+            <a:off x="1722494" y="2683835"/>
+            <a:ext cx="3829050" cy="3791611"/>
+          </a:xfrm>
+          <a:prstGeom prst="rect">
+            <a:avLst/>
+          </a:prstGeom>
+        </p:spPr>
+      </p:pic>
+      <p:pic>
+        <p:nvPicPr>
+          <p:cNvPr id="18" name="그림 17">
+            <a:extLst>
+              <a:ext uri="{FF2B5EF4-FFF2-40B4-BE49-F238E27FC236}">
+                <a16:creationId xmlns:a16="http://schemas.microsoft.com/office/drawing/2014/main" id="{C58E4ABD-84B3-433D-6F18-859BB6F908D3}"/>
               </a:ext>
             </a:extLst>
           </p:cNvPr>
@@ -4835,8 +4836,8 @@
         </p:blipFill>
         <p:spPr>
           <a:xfrm>
-            <a:off x="6245173" y="2684968"/>
-            <a:ext cx="4532244" cy="3874857"/>
+            <a:off x="6403910" y="2657660"/>
+            <a:ext cx="3829050" cy="3843959"/>
           </a:xfrm>
           <a:prstGeom prst="rect">
             <a:avLst/>
@@ -5002,21 +5003,26 @@
             <p:ph idx="1"/>
           </p:nvPr>
         </p:nvSpPr>
-        <p:spPr/>
+        <p:spPr>
+          <a:xfrm>
+            <a:off x="1791478" y="2015732"/>
+            <a:ext cx="9263376" cy="3450613"/>
+          </a:xfrm>
+        </p:spPr>
         <p:txBody>
           <a:bodyPr/>
           <a:lstStyle/>
           <a:p>
-            <a:endParaRPr lang="ko-KR" altLang="en-US"/>
+            <a:endParaRPr lang="ko-KR" altLang="en-US" dirty="0"/>
           </a:p>
         </p:txBody>
       </p:sp>
       <p:pic>
         <p:nvPicPr>
-          <p:cNvPr id="6" name="그림 5">
+          <p:cNvPr id="9" name="그림 8">
             <a:extLst>
               <a:ext uri="{FF2B5EF4-FFF2-40B4-BE49-F238E27FC236}">
-                <a16:creationId xmlns:a16="http://schemas.microsoft.com/office/drawing/2014/main" id="{4D8E5F9F-38BC-BC5F-A0B9-6A80615372FE}"/>
+                <a16:creationId xmlns:a16="http://schemas.microsoft.com/office/drawing/2014/main" id="{F3846EEF-99B9-E727-C309-6858E4165502}"/>
               </a:ext>
             </a:extLst>
           </p:cNvPr>
@@ -5033,8 +5039,38 @@
         </p:blipFill>
         <p:spPr>
           <a:xfrm>
-            <a:off x="1452562" y="2015732"/>
-            <a:ext cx="9602292" cy="3450614"/>
+            <a:off x="1353754" y="2015732"/>
+            <a:ext cx="5650950" cy="4506366"/>
+          </a:xfrm>
+          <a:prstGeom prst="rect">
+            <a:avLst/>
+          </a:prstGeom>
+        </p:spPr>
+      </p:pic>
+      <p:pic>
+        <p:nvPicPr>
+          <p:cNvPr id="13" name="그림 12">
+            <a:extLst>
+              <a:ext uri="{FF2B5EF4-FFF2-40B4-BE49-F238E27FC236}">
+                <a16:creationId xmlns:a16="http://schemas.microsoft.com/office/drawing/2014/main" id="{3E4702F9-AA76-CB64-911E-991B75621053}"/>
+              </a:ext>
+            </a:extLst>
+          </p:cNvPr>
+          <p:cNvPicPr>
+            <a:picLocks noChangeAspect="1"/>
+          </p:cNvPicPr>
+          <p:nvPr/>
+        </p:nvPicPr>
+        <p:blipFill>
+          <a:blip r:embed="rId4"/>
+          <a:stretch>
+            <a:fillRect/>
+          </a:stretch>
+        </p:blipFill>
+        <p:spPr>
+          <a:xfrm>
+            <a:off x="7743523" y="2015732"/>
+            <a:ext cx="2853562" cy="4441052"/>
           </a:xfrm>
           <a:prstGeom prst="rect">
             <a:avLst/>
@@ -5055,6 +5091,328 @@
 </file>
 
 <file path=ppt/slides/slide5.xml><?xml version="1.0" encoding="utf-8"?>
+<p:sld xmlns:a="http://schemas.openxmlformats.org/drawingml/2006/main" xmlns:r="http://schemas.openxmlformats.org/officeDocument/2006/relationships" xmlns:p="http://schemas.openxmlformats.org/presentationml/2006/main">
+  <p:cSld>
+    <p:spTree>
+      <p:nvGrpSpPr>
+        <p:cNvPr id="1" name=""/>
+        <p:cNvGrpSpPr/>
+        <p:nvPr/>
+      </p:nvGrpSpPr>
+      <p:grpSpPr>
+        <a:xfrm>
+          <a:off x="0" y="0"/>
+          <a:ext cx="0" cy="0"/>
+          <a:chOff x="0" y="0"/>
+          <a:chExt cx="0" cy="0"/>
+        </a:xfrm>
+      </p:grpSpPr>
+      <p:sp>
+        <p:nvSpPr>
+          <p:cNvPr id="10" name="제목 1">
+            <a:extLst>
+              <a:ext uri="{FF2B5EF4-FFF2-40B4-BE49-F238E27FC236}">
+                <a16:creationId xmlns:a16="http://schemas.microsoft.com/office/drawing/2014/main" id="{DF23B9BD-8FB0-57E8-93A7-03712C1CEF7B}"/>
+              </a:ext>
+            </a:extLst>
+          </p:cNvPr>
+          <p:cNvSpPr txBox="1">
+            <a:spLocks/>
+          </p:cNvSpPr>
+          <p:nvPr/>
+        </p:nvSpPr>
+        <p:spPr>
+          <a:xfrm>
+            <a:off x="4179229" y="1183888"/>
+            <a:ext cx="3833541" cy="415533"/>
+          </a:xfrm>
+          <a:prstGeom prst="rect">
+            <a:avLst/>
+          </a:prstGeom>
+        </p:spPr>
+        <p:txBody>
+          <a:bodyPr vert="horz" lIns="91440" tIns="45720" rIns="91440" bIns="45720" rtlCol="0" anchor="ctr">
+            <a:normAutofit fontScale="92500" lnSpcReduction="20000"/>
+          </a:bodyPr>
+          <a:lstStyle>
+            <a:lvl1pPr algn="l" defTabSz="914400" rtl="0" eaLnBrk="1" latinLnBrk="1" hangingPunct="1">
+              <a:lnSpc>
+                <a:spcPct val="90000"/>
+              </a:lnSpc>
+              <a:spcBef>
+                <a:spcPct val="0"/>
+              </a:spcBef>
+              <a:buNone/>
+              <a:defRPr sz="3200" b="0" i="0" kern="1200" cap="all">
+                <a:solidFill>
+                  <a:schemeClr val="tx1"/>
+                </a:solidFill>
+                <a:effectLst/>
+                <a:latin typeface="+mj-lt"/>
+                <a:ea typeface="+mj-ea"/>
+                <a:cs typeface="+mj-cs"/>
+              </a:defRPr>
+            </a:lvl1pPr>
+          </a:lstStyle>
+          <a:p>
+            <a:pPr algn="ctr"/>
+            <a:r>
+              <a:rPr lang="ko-KR" altLang="en-US" dirty="0">
+                <a:latin typeface="휴먼둥근헤드라인" panose="02030504000101010101" pitchFamily="18" charset="-127"/>
+                <a:ea typeface="휴먼둥근헤드라인" panose="02030504000101010101" pitchFamily="18" charset="-127"/>
+              </a:rPr>
+              <a:t> 이메일</a:t>
+            </a:r>
+            <a:endParaRPr lang="ko-KR" altLang="en-US" u="sng" dirty="0">
+              <a:latin typeface="휴먼둥근헤드라인" panose="02030504000101010101" pitchFamily="18" charset="-127"/>
+              <a:ea typeface="휴먼둥근헤드라인" panose="02030504000101010101" pitchFamily="18" charset="-127"/>
+            </a:endParaRPr>
+          </a:p>
+        </p:txBody>
+      </p:sp>
+      <p:pic>
+        <p:nvPicPr>
+          <p:cNvPr id="12" name="Picture 2" descr="마음으로 집 아이콘 | 프리미엄 벡터">
+            <a:extLst>
+              <a:ext uri="{FF2B5EF4-FFF2-40B4-BE49-F238E27FC236}">
+                <a16:creationId xmlns:a16="http://schemas.microsoft.com/office/drawing/2014/main" id="{DAB05AF1-10AE-6FBD-C5EA-C5FD58249F90}"/>
+              </a:ext>
+            </a:extLst>
+          </p:cNvPr>
+          <p:cNvPicPr>
+            <a:picLocks noChangeAspect="1" noChangeArrowheads="1"/>
+          </p:cNvPicPr>
+          <p:nvPr/>
+        </p:nvPicPr>
+        <p:blipFill>
+          <a:blip r:embed="rId2">
+            <a:extLst>
+              <a:ext uri="{28A0092B-C50C-407E-A947-70E740481C1C}">
+                <a14:useLocalDpi xmlns:a14="http://schemas.microsoft.com/office/drawing/2010/main" val="0"/>
+              </a:ext>
+            </a:extLst>
+          </a:blip>
+          <a:srcRect/>
+          <a:stretch>
+            <a:fillRect/>
+          </a:stretch>
+        </p:blipFill>
+        <p:spPr bwMode="auto">
+          <a:xfrm>
+            <a:off x="4483192" y="1058066"/>
+            <a:ext cx="638497" cy="638497"/>
+          </a:xfrm>
+          <a:prstGeom prst="rect">
+            <a:avLst/>
+          </a:prstGeom>
+          <a:noFill/>
+          <a:extLst>
+            <a:ext uri="{909E8E84-426E-40DD-AFC4-6F175D3DCCD1}">
+              <a14:hiddenFill xmlns:a14="http://schemas.microsoft.com/office/drawing/2010/main">
+                <a:solidFill>
+                  <a:srgbClr val="FFFFFF"/>
+                </a:solidFill>
+              </a14:hiddenFill>
+            </a:ext>
+          </a:extLst>
+        </p:spPr>
+      </p:pic>
+      <p:sp>
+        <p:nvSpPr>
+          <p:cNvPr id="6" name="화살표: 오른쪽 5">
+            <a:extLst>
+              <a:ext uri="{FF2B5EF4-FFF2-40B4-BE49-F238E27FC236}">
+                <a16:creationId xmlns:a16="http://schemas.microsoft.com/office/drawing/2014/main" id="{8302E30F-5CFE-CEE9-F1C0-3EA9B6B2CEAA}"/>
+              </a:ext>
+            </a:extLst>
+          </p:cNvPr>
+          <p:cNvSpPr/>
+          <p:nvPr/>
+        </p:nvSpPr>
+        <p:spPr>
+          <a:xfrm>
+            <a:off x="3760965" y="2588804"/>
+            <a:ext cx="287224" cy="336844"/>
+          </a:xfrm>
+          <a:prstGeom prst="rightArrow">
+            <a:avLst/>
+          </a:prstGeom>
+        </p:spPr>
+        <p:style>
+          <a:lnRef idx="2">
+            <a:schemeClr val="accent1">
+              <a:shade val="50000"/>
+            </a:schemeClr>
+          </a:lnRef>
+          <a:fillRef idx="1">
+            <a:schemeClr val="accent1"/>
+          </a:fillRef>
+          <a:effectRef idx="0">
+            <a:schemeClr val="accent1"/>
+          </a:effectRef>
+          <a:fontRef idx="minor">
+            <a:schemeClr val="lt1"/>
+          </a:fontRef>
+        </p:style>
+        <p:txBody>
+          <a:bodyPr rtlCol="0" anchor="ctr"/>
+          <a:lstStyle/>
+          <a:p>
+            <a:pPr algn="ctr"/>
+            <a:endParaRPr lang="ko-KR" altLang="en-US"/>
+          </a:p>
+        </p:txBody>
+      </p:sp>
+      <p:pic>
+        <p:nvPicPr>
+          <p:cNvPr id="9" name="그림 8">
+            <a:extLst>
+              <a:ext uri="{FF2B5EF4-FFF2-40B4-BE49-F238E27FC236}">
+                <a16:creationId xmlns:a16="http://schemas.microsoft.com/office/drawing/2014/main" id="{C802E6B3-08E4-C355-41C2-715CF990461E}"/>
+              </a:ext>
+            </a:extLst>
+          </p:cNvPr>
+          <p:cNvPicPr>
+            <a:picLocks noChangeAspect="1"/>
+          </p:cNvPicPr>
+          <p:nvPr/>
+        </p:nvPicPr>
+        <p:blipFill>
+          <a:blip r:embed="rId3"/>
+          <a:stretch>
+            <a:fillRect/>
+          </a:stretch>
+        </p:blipFill>
+        <p:spPr>
+          <a:xfrm>
+            <a:off x="4085349" y="2588804"/>
+            <a:ext cx="2583899" cy="638497"/>
+          </a:xfrm>
+          <a:prstGeom prst="rect">
+            <a:avLst/>
+          </a:prstGeom>
+        </p:spPr>
+      </p:pic>
+      <p:sp>
+        <p:nvSpPr>
+          <p:cNvPr id="13" name="화살표: 오른쪽 12">
+            <a:extLst>
+              <a:ext uri="{FF2B5EF4-FFF2-40B4-BE49-F238E27FC236}">
+                <a16:creationId xmlns:a16="http://schemas.microsoft.com/office/drawing/2014/main" id="{326EB131-D092-45B4-D780-82EF23D4EFF9}"/>
+              </a:ext>
+            </a:extLst>
+          </p:cNvPr>
+          <p:cNvSpPr/>
+          <p:nvPr/>
+        </p:nvSpPr>
+        <p:spPr>
+          <a:xfrm>
+            <a:off x="6904503" y="2595036"/>
+            <a:ext cx="287224" cy="336844"/>
+          </a:xfrm>
+          <a:prstGeom prst="rightArrow">
+            <a:avLst/>
+          </a:prstGeom>
+        </p:spPr>
+        <p:style>
+          <a:lnRef idx="2">
+            <a:schemeClr val="accent1">
+              <a:shade val="50000"/>
+            </a:schemeClr>
+          </a:lnRef>
+          <a:fillRef idx="1">
+            <a:schemeClr val="accent1"/>
+          </a:fillRef>
+          <a:effectRef idx="0">
+            <a:schemeClr val="accent1"/>
+          </a:effectRef>
+          <a:fontRef idx="minor">
+            <a:schemeClr val="lt1"/>
+          </a:fontRef>
+        </p:style>
+        <p:txBody>
+          <a:bodyPr rtlCol="0" anchor="ctr"/>
+          <a:lstStyle/>
+          <a:p>
+            <a:pPr algn="ctr"/>
+            <a:endParaRPr lang="ko-KR" altLang="en-US"/>
+          </a:p>
+        </p:txBody>
+      </p:sp>
+      <p:pic>
+        <p:nvPicPr>
+          <p:cNvPr id="14" name="그림 13">
+            <a:extLst>
+              <a:ext uri="{FF2B5EF4-FFF2-40B4-BE49-F238E27FC236}">
+                <a16:creationId xmlns:a16="http://schemas.microsoft.com/office/drawing/2014/main" id="{B2B475A8-B9E5-E4C5-68D0-6C9875A72C9F}"/>
+              </a:ext>
+            </a:extLst>
+          </p:cNvPr>
+          <p:cNvPicPr>
+            <a:picLocks noChangeAspect="1"/>
+          </p:cNvPicPr>
+          <p:nvPr/>
+        </p:nvPicPr>
+        <p:blipFill>
+          <a:blip r:embed="rId4"/>
+          <a:stretch>
+            <a:fillRect/>
+          </a:stretch>
+        </p:blipFill>
+        <p:spPr>
+          <a:xfrm>
+            <a:off x="7318016" y="2418365"/>
+            <a:ext cx="3724712" cy="2992533"/>
+          </a:xfrm>
+          <a:prstGeom prst="rect">
+            <a:avLst/>
+          </a:prstGeom>
+        </p:spPr>
+      </p:pic>
+      <p:pic>
+        <p:nvPicPr>
+          <p:cNvPr id="18" name="그림 17">
+            <a:extLst>
+              <a:ext uri="{FF2B5EF4-FFF2-40B4-BE49-F238E27FC236}">
+                <a16:creationId xmlns:a16="http://schemas.microsoft.com/office/drawing/2014/main" id="{287A0CCE-ACF9-4189-004D-C0B98AC76CBF}"/>
+              </a:ext>
+            </a:extLst>
+          </p:cNvPr>
+          <p:cNvPicPr>
+            <a:picLocks noChangeAspect="1"/>
+          </p:cNvPicPr>
+          <p:nvPr/>
+        </p:nvPicPr>
+        <p:blipFill>
+          <a:blip r:embed="rId5"/>
+          <a:stretch>
+            <a:fillRect/>
+          </a:stretch>
+        </p:blipFill>
+        <p:spPr>
+          <a:xfrm>
+            <a:off x="1269575" y="2491273"/>
+            <a:ext cx="2365101" cy="2992533"/>
+          </a:xfrm>
+          <a:prstGeom prst="rect">
+            <a:avLst/>
+          </a:prstGeom>
+        </p:spPr>
+      </p:pic>
+    </p:spTree>
+    <p:extLst>
+      <p:ext uri="{BB962C8B-B14F-4D97-AF65-F5344CB8AC3E}">
+        <p14:creationId xmlns:p14="http://schemas.microsoft.com/office/powerpoint/2010/main" val="454228358"/>
+      </p:ext>
+    </p:extLst>
+  </p:cSld>
+  <p:clrMapOvr>
+    <a:masterClrMapping/>
+  </p:clrMapOvr>
+</p:sld>
+</file>
+
+<file path=ppt/slides/slide6.xml><?xml version="1.0" encoding="utf-8"?>
 <p:sld xmlns:a="http://schemas.openxmlformats.org/drawingml/2006/main" xmlns:r="http://schemas.openxmlformats.org/officeDocument/2006/relationships" xmlns:p="http://schemas.openxmlformats.org/presentationml/2006/main">
   <p:cSld>
     <p:spTree>

--- a/프로젝트 발표자료/스크립트 언어 기말 발표.pptx
+++ b/프로젝트 발표자료/스크립트 언어 기말 발표.pptx
@@ -7,10 +7,14 @@
   <p:sldIdLst>
     <p:sldId id="256" r:id="rId2"/>
     <p:sldId id="257" r:id="rId3"/>
-    <p:sldId id="259" r:id="rId4"/>
-    <p:sldId id="258" r:id="rId5"/>
-    <p:sldId id="262" r:id="rId6"/>
-    <p:sldId id="261" r:id="rId7"/>
+    <p:sldId id="265" r:id="rId4"/>
+    <p:sldId id="259" r:id="rId5"/>
+    <p:sldId id="258" r:id="rId6"/>
+    <p:sldId id="262" r:id="rId7"/>
+    <p:sldId id="266" r:id="rId8"/>
+    <p:sldId id="263" r:id="rId9"/>
+    <p:sldId id="264" r:id="rId10"/>
+    <p:sldId id="267" r:id="rId11"/>
   </p:sldIdLst>
   <p:sldSz cx="12192000" cy="6858000"/>
   <p:notesSz cx="6858000" cy="9144000"/>
@@ -3882,6 +3886,332 @@
 </p:sld>
 </file>
 
+<file path=ppt/slides/slide10.xml><?xml version="1.0" encoding="utf-8"?>
+<p:sld xmlns:a="http://schemas.openxmlformats.org/drawingml/2006/main" xmlns:r="http://schemas.openxmlformats.org/officeDocument/2006/relationships" xmlns:p="http://schemas.openxmlformats.org/presentationml/2006/main">
+  <p:cSld>
+    <p:spTree>
+      <p:nvGrpSpPr>
+        <p:cNvPr id="1" name=""/>
+        <p:cNvGrpSpPr/>
+        <p:nvPr/>
+      </p:nvGrpSpPr>
+      <p:grpSpPr>
+        <a:xfrm>
+          <a:off x="0" y="0"/>
+          <a:ext cx="0" cy="0"/>
+          <a:chOff x="0" y="0"/>
+          <a:chExt cx="0" cy="0"/>
+        </a:xfrm>
+      </p:grpSpPr>
+      <p:sp>
+        <p:nvSpPr>
+          <p:cNvPr id="5" name="제목 1">
+            <a:extLst>
+              <a:ext uri="{FF2B5EF4-FFF2-40B4-BE49-F238E27FC236}">
+                <a16:creationId xmlns:a16="http://schemas.microsoft.com/office/drawing/2014/main" id="{327408F9-FFDE-B41E-3895-AA8D21016637}"/>
+              </a:ext>
+            </a:extLst>
+          </p:cNvPr>
+          <p:cNvSpPr txBox="1">
+            <a:spLocks/>
+          </p:cNvSpPr>
+          <p:nvPr/>
+        </p:nvSpPr>
+        <p:spPr>
+          <a:xfrm>
+            <a:off x="4179229" y="1183888"/>
+            <a:ext cx="3833541" cy="415533"/>
+          </a:xfrm>
+          <a:prstGeom prst="rect">
+            <a:avLst/>
+          </a:prstGeom>
+        </p:spPr>
+        <p:txBody>
+          <a:bodyPr vert="horz" lIns="91440" tIns="45720" rIns="91440" bIns="45720" rtlCol="0" anchor="ctr">
+            <a:normAutofit fontScale="92500" lnSpcReduction="20000"/>
+          </a:bodyPr>
+          <a:lstStyle>
+            <a:lvl1pPr algn="l" defTabSz="914400" rtl="0" eaLnBrk="1" latinLnBrk="1" hangingPunct="1">
+              <a:lnSpc>
+                <a:spcPct val="90000"/>
+              </a:lnSpc>
+              <a:spcBef>
+                <a:spcPct val="0"/>
+              </a:spcBef>
+              <a:buNone/>
+              <a:defRPr sz="3200" b="0" i="0" kern="1200" cap="all">
+                <a:solidFill>
+                  <a:schemeClr val="tx1"/>
+                </a:solidFill>
+                <a:effectLst/>
+                <a:latin typeface="+mj-lt"/>
+                <a:ea typeface="+mj-ea"/>
+                <a:cs typeface="+mj-cs"/>
+              </a:defRPr>
+            </a:lvl1pPr>
+          </a:lstStyle>
+          <a:p>
+            <a:pPr algn="ctr"/>
+            <a:r>
+              <a:rPr lang="ko-KR" altLang="en-US" dirty="0">
+                <a:latin typeface="휴먼둥근헤드라인" panose="02030504000101010101" pitchFamily="18" charset="-127"/>
+                <a:ea typeface="휴먼둥근헤드라인" panose="02030504000101010101" pitchFamily="18" charset="-127"/>
+              </a:rPr>
+              <a:t> </a:t>
+            </a:r>
+            <a:r>
+              <a:rPr lang="ko-KR" altLang="en-US" dirty="0" err="1">
+                <a:latin typeface="휴먼둥근헤드라인" panose="02030504000101010101" pitchFamily="18" charset="-127"/>
+                <a:ea typeface="휴먼둥근헤드라인" panose="02030504000101010101" pitchFamily="18" charset="-127"/>
+              </a:rPr>
+              <a:t>텔레그램</a:t>
+            </a:r>
+            <a:r>
+              <a:rPr lang="ko-KR" altLang="en-US" dirty="0">
+                <a:latin typeface="휴먼둥근헤드라인" panose="02030504000101010101" pitchFamily="18" charset="-127"/>
+                <a:ea typeface="휴먼둥근헤드라인" panose="02030504000101010101" pitchFamily="18" charset="-127"/>
+              </a:rPr>
+              <a:t> 연동</a:t>
+            </a:r>
+            <a:endParaRPr lang="ko-KR" altLang="en-US" u="sng" dirty="0">
+              <a:latin typeface="휴먼둥근헤드라인" panose="02030504000101010101" pitchFamily="18" charset="-127"/>
+              <a:ea typeface="휴먼둥근헤드라인" panose="02030504000101010101" pitchFamily="18" charset="-127"/>
+            </a:endParaRPr>
+          </a:p>
+        </p:txBody>
+      </p:sp>
+      <p:pic>
+        <p:nvPicPr>
+          <p:cNvPr id="6" name="Picture 2" descr="마음으로 집 아이콘 | 프리미엄 벡터">
+            <a:extLst>
+              <a:ext uri="{FF2B5EF4-FFF2-40B4-BE49-F238E27FC236}">
+                <a16:creationId xmlns:a16="http://schemas.microsoft.com/office/drawing/2014/main" id="{4D7E9A7C-E1FD-754B-E708-4AE136DF1C90}"/>
+              </a:ext>
+            </a:extLst>
+          </p:cNvPr>
+          <p:cNvPicPr>
+            <a:picLocks noChangeAspect="1" noChangeArrowheads="1"/>
+          </p:cNvPicPr>
+          <p:nvPr/>
+        </p:nvPicPr>
+        <p:blipFill>
+          <a:blip r:embed="rId2">
+            <a:extLst>
+              <a:ext uri="{28A0092B-C50C-407E-A947-70E740481C1C}">
+                <a14:useLocalDpi xmlns:a14="http://schemas.microsoft.com/office/drawing/2010/main" val="0"/>
+              </a:ext>
+            </a:extLst>
+          </a:blip>
+          <a:srcRect/>
+          <a:stretch>
+            <a:fillRect/>
+          </a:stretch>
+        </p:blipFill>
+        <p:spPr bwMode="auto">
+          <a:xfrm>
+            <a:off x="4265078" y="1072405"/>
+            <a:ext cx="638497" cy="638497"/>
+          </a:xfrm>
+          <a:prstGeom prst="rect">
+            <a:avLst/>
+          </a:prstGeom>
+          <a:noFill/>
+          <a:extLst>
+            <a:ext uri="{909E8E84-426E-40DD-AFC4-6F175D3DCCD1}">
+              <a14:hiddenFill xmlns:a14="http://schemas.microsoft.com/office/drawing/2010/main">
+                <a:solidFill>
+                  <a:srgbClr val="FFFFFF"/>
+                </a:solidFill>
+              </a14:hiddenFill>
+            </a:ext>
+          </a:extLst>
+        </p:spPr>
+      </p:pic>
+      <p:pic>
+        <p:nvPicPr>
+          <p:cNvPr id="8" name="그림 7">
+            <a:extLst>
+              <a:ext uri="{FF2B5EF4-FFF2-40B4-BE49-F238E27FC236}">
+                <a16:creationId xmlns:a16="http://schemas.microsoft.com/office/drawing/2014/main" id="{D8E32D22-F571-1FB2-A763-FB3DF668E032}"/>
+              </a:ext>
+            </a:extLst>
+          </p:cNvPr>
+          <p:cNvPicPr>
+            <a:picLocks noChangeAspect="1"/>
+          </p:cNvPicPr>
+          <p:nvPr/>
+        </p:nvPicPr>
+        <p:blipFill>
+          <a:blip r:embed="rId3"/>
+          <a:stretch>
+            <a:fillRect/>
+          </a:stretch>
+        </p:blipFill>
+        <p:spPr>
+          <a:xfrm>
+            <a:off x="1633583" y="2688003"/>
+            <a:ext cx="3805516" cy="1481992"/>
+          </a:xfrm>
+          <a:prstGeom prst="rect">
+            <a:avLst/>
+          </a:prstGeom>
+        </p:spPr>
+      </p:pic>
+      <p:pic>
+        <p:nvPicPr>
+          <p:cNvPr id="3" name="그림 2">
+            <a:extLst>
+              <a:ext uri="{FF2B5EF4-FFF2-40B4-BE49-F238E27FC236}">
+                <a16:creationId xmlns:a16="http://schemas.microsoft.com/office/drawing/2014/main" id="{82DFA2CE-0E4C-0F6C-16D2-376BCF30E196}"/>
+              </a:ext>
+            </a:extLst>
+          </p:cNvPr>
+          <p:cNvPicPr>
+            <a:picLocks noChangeAspect="1"/>
+          </p:cNvPicPr>
+          <p:nvPr/>
+        </p:nvPicPr>
+        <p:blipFill>
+          <a:blip r:embed="rId4"/>
+          <a:stretch>
+            <a:fillRect/>
+          </a:stretch>
+        </p:blipFill>
+        <p:spPr>
+          <a:xfrm>
+            <a:off x="7320602" y="2310328"/>
+            <a:ext cx="3316296" cy="2237341"/>
+          </a:xfrm>
+          <a:prstGeom prst="rect">
+            <a:avLst/>
+          </a:prstGeom>
+        </p:spPr>
+      </p:pic>
+      <p:sp>
+        <p:nvSpPr>
+          <p:cNvPr id="10" name="직사각형 9">
+            <a:extLst>
+              <a:ext uri="{FF2B5EF4-FFF2-40B4-BE49-F238E27FC236}">
+                <a16:creationId xmlns:a16="http://schemas.microsoft.com/office/drawing/2014/main" id="{89C1D556-C71C-4F0C-B544-1A091CF00801}"/>
+              </a:ext>
+            </a:extLst>
+          </p:cNvPr>
+          <p:cNvSpPr/>
+          <p:nvPr/>
+        </p:nvSpPr>
+        <p:spPr>
+          <a:xfrm>
+            <a:off x="2968993" y="4379247"/>
+            <a:ext cx="1134696" cy="336844"/>
+          </a:xfrm>
+          <a:prstGeom prst="rect">
+            <a:avLst/>
+          </a:prstGeom>
+          <a:solidFill>
+            <a:schemeClr val="bg1"/>
+          </a:solidFill>
+        </p:spPr>
+        <p:style>
+          <a:lnRef idx="2">
+            <a:schemeClr val="accent1">
+              <a:shade val="50000"/>
+            </a:schemeClr>
+          </a:lnRef>
+          <a:fillRef idx="1">
+            <a:schemeClr val="accent1"/>
+          </a:fillRef>
+          <a:effectRef idx="0">
+            <a:schemeClr val="accent1"/>
+          </a:effectRef>
+          <a:fontRef idx="minor">
+            <a:schemeClr val="lt1"/>
+          </a:fontRef>
+        </p:style>
+        <p:txBody>
+          <a:bodyPr rtlCol="0" anchor="ctr"/>
+          <a:lstStyle/>
+          <a:p>
+            <a:pPr algn="ctr"/>
+            <a:r>
+              <a:rPr lang="ko-KR" altLang="en-US" dirty="0">
+                <a:solidFill>
+                  <a:schemeClr val="tx1"/>
+                </a:solidFill>
+              </a:rPr>
+              <a:t>도움말</a:t>
+            </a:r>
+          </a:p>
+        </p:txBody>
+      </p:sp>
+      <p:sp>
+        <p:nvSpPr>
+          <p:cNvPr id="11" name="직사각형 10">
+            <a:extLst>
+              <a:ext uri="{FF2B5EF4-FFF2-40B4-BE49-F238E27FC236}">
+                <a16:creationId xmlns:a16="http://schemas.microsoft.com/office/drawing/2014/main" id="{B51C427C-D4BC-4D16-3851-F83751619C3A}"/>
+              </a:ext>
+            </a:extLst>
+          </p:cNvPr>
+          <p:cNvSpPr/>
+          <p:nvPr/>
+        </p:nvSpPr>
+        <p:spPr>
+          <a:xfrm>
+            <a:off x="8411402" y="4691760"/>
+            <a:ext cx="1134696" cy="336844"/>
+          </a:xfrm>
+          <a:prstGeom prst="rect">
+            <a:avLst/>
+          </a:prstGeom>
+          <a:solidFill>
+            <a:schemeClr val="bg1"/>
+          </a:solidFill>
+        </p:spPr>
+        <p:style>
+          <a:lnRef idx="2">
+            <a:schemeClr val="accent1">
+              <a:shade val="50000"/>
+            </a:schemeClr>
+          </a:lnRef>
+          <a:fillRef idx="1">
+            <a:schemeClr val="accent1"/>
+          </a:fillRef>
+          <a:effectRef idx="0">
+            <a:schemeClr val="accent1"/>
+          </a:effectRef>
+          <a:fontRef idx="minor">
+            <a:schemeClr val="lt1"/>
+          </a:fontRef>
+        </p:style>
+        <p:txBody>
+          <a:bodyPr rtlCol="0" anchor="ctr"/>
+          <a:lstStyle/>
+          <a:p>
+            <a:pPr algn="ctr"/>
+            <a:r>
+              <a:rPr lang="ko-KR" altLang="en-US" dirty="0">
+                <a:solidFill>
+                  <a:schemeClr val="tx1"/>
+                </a:solidFill>
+              </a:rPr>
+              <a:t>출력</a:t>
+            </a:r>
+          </a:p>
+        </p:txBody>
+      </p:sp>
+    </p:spTree>
+    <p:extLst>
+      <p:ext uri="{BB962C8B-B14F-4D97-AF65-F5344CB8AC3E}">
+        <p14:creationId xmlns:p14="http://schemas.microsoft.com/office/powerpoint/2010/main" val="3613302587"/>
+      </p:ext>
+    </p:extLst>
+  </p:cSld>
+  <p:clrMapOvr>
+    <a:masterClrMapping/>
+  </p:clrMapOvr>
+</p:sld>
+</file>
+
 <file path=ppt/slides/slide2.xml><?xml version="1.0" encoding="utf-8"?>
 <p:sld xmlns:a="http://schemas.openxmlformats.org/drawingml/2006/main" xmlns:r="http://schemas.openxmlformats.org/officeDocument/2006/relationships" xmlns:p="http://schemas.openxmlformats.org/presentationml/2006/main">
   <p:cSld>
@@ -4001,8 +4331,8 @@
         </p:nvSpPr>
         <p:spPr>
           <a:xfrm>
-            <a:off x="844476" y="1600199"/>
-            <a:ext cx="3539266" cy="4297680"/>
+            <a:off x="1333334" y="1599408"/>
+            <a:ext cx="4131579" cy="4297680"/>
           </a:xfrm>
         </p:spPr>
         <p:txBody>
@@ -4012,18 +4342,18 @@
           <a:lstStyle/>
           <a:p>
             <a:r>
-              <a:rPr lang="ko-KR" altLang="en-US" dirty="0">
+              <a:rPr lang="en-US" altLang="ko-KR" sz="3000" u="sng" dirty="0">
                 <a:latin typeface="휴먼둥근헤드라인" panose="02030504000101010101" pitchFamily="18" charset="-127"/>
                 <a:ea typeface="휴먼둥근헤드라인" panose="02030504000101010101" pitchFamily="18" charset="-127"/>
               </a:rPr>
-              <a:t>  </a:t>
-            </a:r>
-            <a:r>
-              <a:rPr lang="ko-KR" altLang="en-US" u="sng" dirty="0">
+              <a:t>GIT </a:t>
+            </a:r>
+            <a:r>
+              <a:rPr lang="ko-KR" altLang="en-US" sz="3000" u="sng" dirty="0">
                 <a:latin typeface="휴먼둥근헤드라인" panose="02030504000101010101" pitchFamily="18" charset="-127"/>
                 <a:ea typeface="휴먼둥근헤드라인" panose="02030504000101010101" pitchFamily="18" charset="-127"/>
               </a:rPr>
-              <a:t>프로그램 소개</a:t>
+              <a:t>통계</a:t>
             </a:r>
           </a:p>
         </p:txBody>
@@ -4125,10 +4455,10 @@
       </p:pic>
       <p:pic>
         <p:nvPicPr>
-          <p:cNvPr id="7" name="그림 6">
+          <p:cNvPr id="10" name="그림 9">
             <a:extLst>
               <a:ext uri="{FF2B5EF4-FFF2-40B4-BE49-F238E27FC236}">
-                <a16:creationId xmlns:a16="http://schemas.microsoft.com/office/drawing/2014/main" id="{B57A425E-327B-03AE-6F05-520937481A42}"/>
+                <a16:creationId xmlns:a16="http://schemas.microsoft.com/office/drawing/2014/main" id="{605A3A47-6E11-C5B5-C466-B5F57E896E52}"/>
               </a:ext>
             </a:extLst>
           </p:cNvPr>
@@ -4145,8 +4475,8 @@
         </p:blipFill>
         <p:spPr>
           <a:xfrm>
-            <a:off x="6095849" y="328612"/>
-            <a:ext cx="3829050" cy="6200775"/>
+            <a:off x="5355275" y="1461240"/>
+            <a:ext cx="6542418" cy="4574015"/>
           </a:xfrm>
           <a:prstGeom prst="rect">
             <a:avLst/>
@@ -4167,6 +4497,290 @@
 </file>
 
 <file path=ppt/slides/slide3.xml><?xml version="1.0" encoding="utf-8"?>
+<p:sld xmlns:a="http://schemas.openxmlformats.org/drawingml/2006/main" xmlns:r="http://schemas.openxmlformats.org/officeDocument/2006/relationships" xmlns:p="http://schemas.openxmlformats.org/presentationml/2006/main">
+  <p:cSld>
+    <p:bg>
+      <p:bgPr>
+        <a:gradFill rotWithShape="1">
+          <a:gsLst>
+            <a:gs pos="0">
+              <a:schemeClr val="bg2">
+                <a:tint val="94000"/>
+                <a:satMod val="80000"/>
+                <a:lumMod val="106000"/>
+              </a:schemeClr>
+            </a:gs>
+            <a:gs pos="100000">
+              <a:schemeClr val="bg2">
+                <a:shade val="80000"/>
+              </a:schemeClr>
+            </a:gs>
+          </a:gsLst>
+          <a:path path="circle">
+            <a:fillToRect l="50000" t="50000" r="50000" b="50000"/>
+          </a:path>
+        </a:gradFill>
+        <a:effectLst/>
+      </p:bgPr>
+    </p:bg>
+    <p:spTree>
+      <p:nvGrpSpPr>
+        <p:cNvPr id="1" name=""/>
+        <p:cNvGrpSpPr/>
+        <p:nvPr/>
+      </p:nvGrpSpPr>
+      <p:grpSpPr>
+        <a:xfrm>
+          <a:off x="0" y="0"/>
+          <a:ext cx="0" cy="0"/>
+          <a:chOff x="0" y="0"/>
+          <a:chExt cx="0" cy="0"/>
+        </a:xfrm>
+      </p:grpSpPr>
+      <p:sp useBgFill="1">
+        <p:nvSpPr>
+          <p:cNvPr id="9" name="Rectangle 8">
+            <a:extLst>
+              <a:ext uri="{FF2B5EF4-FFF2-40B4-BE49-F238E27FC236}">
+                <a16:creationId xmlns:a16="http://schemas.microsoft.com/office/drawing/2014/main" id="{29C51009-A09A-4689-8E6C-F8FC99E6A840}"/>
+              </a:ext>
+              <a:ext uri="{C183D7F6-B498-43B3-948B-1728B52AA6E4}">
+                <adec:decorative xmlns:adec="http://schemas.microsoft.com/office/drawing/2017/decorative" val="1"/>
+              </a:ext>
+            </a:extLst>
+          </p:cNvPr>
+          <p:cNvSpPr>
+            <a:spLocks noGrp="1" noRot="1" noChangeAspect="1" noMove="1" noResize="1" noEditPoints="1" noAdjustHandles="1" noChangeArrowheads="1" noChangeShapeType="1" noTextEdit="1"/>
+          </p:cNvSpPr>
+          <p:nvPr>
+            <p:extLst>
+              <p:ext uri="{386F3935-93C4-4BCD-93E2-E3B085C9AB24}">
+                <p16:designElem xmlns:p16="http://schemas.microsoft.com/office/powerpoint/2015/main" val="1"/>
+              </p:ext>
+            </p:extLst>
+          </p:nvPr>
+        </p:nvSpPr>
+        <p:spPr>
+          <a:xfrm>
+            <a:off x="2" y="0"/>
+            <a:ext cx="12191695" cy="6858000"/>
+          </a:xfrm>
+          <a:prstGeom prst="rect">
+            <a:avLst/>
+          </a:prstGeom>
+          <a:ln>
+            <a:noFill/>
+          </a:ln>
+        </p:spPr>
+        <p:style>
+          <a:lnRef idx="2">
+            <a:schemeClr val="accent1">
+              <a:shade val="50000"/>
+            </a:schemeClr>
+          </a:lnRef>
+          <a:fillRef idx="1">
+            <a:schemeClr val="accent1"/>
+          </a:fillRef>
+          <a:effectRef idx="0">
+            <a:schemeClr val="accent1"/>
+          </a:effectRef>
+          <a:fontRef idx="minor">
+            <a:schemeClr val="lt1"/>
+          </a:fontRef>
+        </p:style>
+        <p:txBody>
+          <a:bodyPr rtlCol="0" anchor="ctr"/>
+          <a:lstStyle/>
+          <a:p>
+            <a:pPr algn="ctr"/>
+            <a:endParaRPr lang="en-US"/>
+          </a:p>
+        </p:txBody>
+      </p:sp>
+      <p:sp>
+        <p:nvSpPr>
+          <p:cNvPr id="2" name="제목 1">
+            <a:extLst>
+              <a:ext uri="{FF2B5EF4-FFF2-40B4-BE49-F238E27FC236}">
+                <a16:creationId xmlns:a16="http://schemas.microsoft.com/office/drawing/2014/main" id="{2A1A8C75-E448-4368-6B28-69E5A0EA2214}"/>
+              </a:ext>
+            </a:extLst>
+          </p:cNvPr>
+          <p:cNvSpPr>
+            <a:spLocks noGrp="1"/>
+          </p:cNvSpPr>
+          <p:nvPr>
+            <p:ph type="title"/>
+          </p:nvPr>
+        </p:nvSpPr>
+        <p:spPr>
+          <a:xfrm>
+            <a:off x="792759" y="1599408"/>
+            <a:ext cx="4131579" cy="4297680"/>
+          </a:xfrm>
+        </p:spPr>
+        <p:txBody>
+          <a:bodyPr anchor="ctr">
+            <a:normAutofit/>
+          </a:bodyPr>
+          <a:lstStyle/>
+          <a:p>
+            <a:r>
+              <a:rPr lang="ko-KR" altLang="en-US" sz="3000" dirty="0">
+                <a:latin typeface="휴먼둥근헤드라인" panose="02030504000101010101" pitchFamily="18" charset="-127"/>
+                <a:ea typeface="휴먼둥근헤드라인" panose="02030504000101010101" pitchFamily="18" charset="-127"/>
+              </a:rPr>
+              <a:t>  </a:t>
+            </a:r>
+            <a:r>
+              <a:rPr lang="ko-KR" altLang="en-US" sz="3000" u="sng" dirty="0">
+                <a:latin typeface="휴먼둥근헤드라인" panose="02030504000101010101" pitchFamily="18" charset="-127"/>
+                <a:ea typeface="휴먼둥근헤드라인" panose="02030504000101010101" pitchFamily="18" charset="-127"/>
+              </a:rPr>
+              <a:t>프로그램 기능소개</a:t>
+            </a:r>
+          </a:p>
+        </p:txBody>
+      </p:sp>
+      <p:cxnSp>
+        <p:nvCxnSpPr>
+          <p:cNvPr id="11" name="Straight Connector 10">
+            <a:extLst>
+              <a:ext uri="{FF2B5EF4-FFF2-40B4-BE49-F238E27FC236}">
+                <a16:creationId xmlns:a16="http://schemas.microsoft.com/office/drawing/2014/main" id="{9EC65442-F244-409C-BF44-C5D6472E810A}"/>
+              </a:ext>
+              <a:ext uri="{C183D7F6-B498-43B3-948B-1728B52AA6E4}">
+                <adec:decorative xmlns:adec="http://schemas.microsoft.com/office/drawing/2017/decorative" val="1"/>
+              </a:ext>
+            </a:extLst>
+          </p:cNvPr>
+          <p:cNvCxnSpPr>
+            <a:cxnSpLocks noGrp="1" noRot="1" noChangeAspect="1" noMove="1" noResize="1" noEditPoints="1" noAdjustHandles="1" noChangeArrowheads="1" noChangeShapeType="1"/>
+          </p:cNvCxnSpPr>
+          <p:nvPr>
+            <p:extLst>
+              <p:ext uri="{386F3935-93C4-4BCD-93E2-E3B085C9AB24}">
+                <p16:designElem xmlns:p16="http://schemas.microsoft.com/office/powerpoint/2015/main" val="1"/>
+              </p:ext>
+            </p:extLst>
+          </p:nvPr>
+        </p:nvCxnSpPr>
+        <p:spPr>
+          <a:xfrm>
+            <a:off x="4654296" y="2148839"/>
+            <a:ext cx="0" cy="3200400"/>
+          </a:xfrm>
+          <a:prstGeom prst="line">
+            <a:avLst/>
+          </a:prstGeom>
+          <a:ln w="31750"/>
+        </p:spPr>
+        <p:style>
+          <a:lnRef idx="1">
+            <a:schemeClr val="accent1"/>
+          </a:lnRef>
+          <a:fillRef idx="0">
+            <a:schemeClr val="accent1"/>
+          </a:fillRef>
+          <a:effectRef idx="0">
+            <a:schemeClr val="accent1"/>
+          </a:effectRef>
+          <a:fontRef idx="minor">
+            <a:schemeClr val="tx1"/>
+          </a:fontRef>
+        </p:style>
+      </p:cxnSp>
+      <p:pic>
+        <p:nvPicPr>
+          <p:cNvPr id="2050" name="Picture 2" descr="마음으로 집 아이콘 | 프리미엄 벡터">
+            <a:extLst>
+              <a:ext uri="{FF2B5EF4-FFF2-40B4-BE49-F238E27FC236}">
+                <a16:creationId xmlns:a16="http://schemas.microsoft.com/office/drawing/2014/main" id="{D35DB747-8C3B-3A0E-D17E-7FAD6924C5C5}"/>
+              </a:ext>
+            </a:extLst>
+          </p:cNvPr>
+          <p:cNvPicPr>
+            <a:picLocks noChangeAspect="1" noChangeArrowheads="1"/>
+          </p:cNvPicPr>
+          <p:nvPr/>
+        </p:nvPicPr>
+        <p:blipFill>
+          <a:blip r:embed="rId2">
+            <a:extLst>
+              <a:ext uri="{28A0092B-C50C-407E-A947-70E740481C1C}">
+                <a14:useLocalDpi xmlns:a14="http://schemas.microsoft.com/office/drawing/2010/main" val="0"/>
+              </a:ext>
+            </a:extLst>
+          </a:blip>
+          <a:srcRect/>
+          <a:stretch>
+            <a:fillRect/>
+          </a:stretch>
+        </p:blipFill>
+        <p:spPr bwMode="auto">
+          <a:xfrm>
+            <a:off x="573922" y="3429000"/>
+            <a:ext cx="638497" cy="638497"/>
+          </a:xfrm>
+          <a:prstGeom prst="rect">
+            <a:avLst/>
+          </a:prstGeom>
+          <a:noFill/>
+          <a:extLst>
+            <a:ext uri="{909E8E84-426E-40DD-AFC4-6F175D3DCCD1}">
+              <a14:hiddenFill xmlns:a14="http://schemas.microsoft.com/office/drawing/2010/main">
+                <a:solidFill>
+                  <a:srgbClr val="FFFFFF"/>
+                </a:solidFill>
+              </a14:hiddenFill>
+            </a:ext>
+          </a:extLst>
+        </p:spPr>
+      </p:pic>
+      <p:pic>
+        <p:nvPicPr>
+          <p:cNvPr id="7" name="그림 6">
+            <a:extLst>
+              <a:ext uri="{FF2B5EF4-FFF2-40B4-BE49-F238E27FC236}">
+                <a16:creationId xmlns:a16="http://schemas.microsoft.com/office/drawing/2014/main" id="{B57A425E-327B-03AE-6F05-520937481A42}"/>
+              </a:ext>
+            </a:extLst>
+          </p:cNvPr>
+          <p:cNvPicPr>
+            <a:picLocks noChangeAspect="1"/>
+          </p:cNvPicPr>
+          <p:nvPr/>
+        </p:nvPicPr>
+        <p:blipFill>
+          <a:blip r:embed="rId3"/>
+          <a:stretch>
+            <a:fillRect/>
+          </a:stretch>
+        </p:blipFill>
+        <p:spPr>
+          <a:xfrm>
+            <a:off x="6129405" y="328612"/>
+            <a:ext cx="3829050" cy="6200775"/>
+          </a:xfrm>
+          <a:prstGeom prst="rect">
+            <a:avLst/>
+          </a:prstGeom>
+        </p:spPr>
+      </p:pic>
+    </p:spTree>
+    <p:extLst>
+      <p:ext uri="{BB962C8B-B14F-4D97-AF65-F5344CB8AC3E}">
+        <p14:creationId xmlns:p14="http://schemas.microsoft.com/office/powerpoint/2010/main" val="139850646"/>
+      </p:ext>
+    </p:extLst>
+  </p:cSld>
+  <p:clrMapOvr>
+    <a:masterClrMapping/>
+  </p:clrMapOvr>
+</p:sld>
+</file>
+
+<file path=ppt/slides/slide4.xml><?xml version="1.0" encoding="utf-8"?>
 <p:sld xmlns:a="http://schemas.openxmlformats.org/drawingml/2006/main" xmlns:r="http://schemas.openxmlformats.org/officeDocument/2006/relationships" xmlns:p="http://schemas.openxmlformats.org/presentationml/2006/main">
   <p:cSld>
     <p:spTree>
@@ -4857,7 +5471,7 @@
 </p:sld>
 </file>
 
-<file path=ppt/slides/slide4.xml><?xml version="1.0" encoding="utf-8"?>
+<file path=ppt/slides/slide5.xml><?xml version="1.0" encoding="utf-8"?>
 <p:sld xmlns:a="http://schemas.openxmlformats.org/drawingml/2006/main" xmlns:r="http://schemas.openxmlformats.org/officeDocument/2006/relationships" xmlns:p="http://schemas.openxmlformats.org/presentationml/2006/main">
   <p:cSld>
     <p:spTree>
@@ -4987,36 +5601,6 @@
           </a:extLst>
         </p:spPr>
       </p:pic>
-      <p:sp>
-        <p:nvSpPr>
-          <p:cNvPr id="4" name="내용 개체 틀 3">
-            <a:extLst>
-              <a:ext uri="{FF2B5EF4-FFF2-40B4-BE49-F238E27FC236}">
-                <a16:creationId xmlns:a16="http://schemas.microsoft.com/office/drawing/2014/main" id="{49580AD7-75CD-EBE9-EB3E-9FE68780EE23}"/>
-              </a:ext>
-            </a:extLst>
-          </p:cNvPr>
-          <p:cNvSpPr>
-            <a:spLocks noGrp="1"/>
-          </p:cNvSpPr>
-          <p:nvPr>
-            <p:ph idx="1"/>
-          </p:nvPr>
-        </p:nvSpPr>
-        <p:spPr>
-          <a:xfrm>
-            <a:off x="1791478" y="2015732"/>
-            <a:ext cx="9263376" cy="3450613"/>
-          </a:xfrm>
-        </p:spPr>
-        <p:txBody>
-          <a:bodyPr/>
-          <a:lstStyle/>
-          <a:p>
-            <a:endParaRPr lang="ko-KR" altLang="en-US" dirty="0"/>
-          </a:p>
-        </p:txBody>
-      </p:sp>
       <p:pic>
         <p:nvPicPr>
           <p:cNvPr id="9" name="그림 8">
@@ -5039,8 +5623,8 @@
         </p:blipFill>
         <p:spPr>
           <a:xfrm>
-            <a:off x="1353754" y="2015732"/>
-            <a:ext cx="5650950" cy="4506366"/>
+            <a:off x="1294171" y="2277333"/>
+            <a:ext cx="4801829" cy="3829232"/>
           </a:xfrm>
           <a:prstGeom prst="rect">
             <a:avLst/>
@@ -5069,160 +5653,20 @@
         </p:blipFill>
         <p:spPr>
           <a:xfrm>
-            <a:off x="7743523" y="2015732"/>
-            <a:ext cx="2853562" cy="4441052"/>
+            <a:off x="8121028" y="2277333"/>
+            <a:ext cx="2460442" cy="3829232"/>
           </a:xfrm>
           <a:prstGeom prst="rect">
             <a:avLst/>
           </a:prstGeom>
         </p:spPr>
       </p:pic>
-    </p:spTree>
-    <p:extLst>
-      <p:ext uri="{BB962C8B-B14F-4D97-AF65-F5344CB8AC3E}">
-        <p14:creationId xmlns:p14="http://schemas.microsoft.com/office/powerpoint/2010/main" val="1576107974"/>
-      </p:ext>
-    </p:extLst>
-  </p:cSld>
-  <p:clrMapOvr>
-    <a:masterClrMapping/>
-  </p:clrMapOvr>
-</p:sld>
-</file>
-
-<file path=ppt/slides/slide5.xml><?xml version="1.0" encoding="utf-8"?>
-<p:sld xmlns:a="http://schemas.openxmlformats.org/drawingml/2006/main" xmlns:r="http://schemas.openxmlformats.org/officeDocument/2006/relationships" xmlns:p="http://schemas.openxmlformats.org/presentationml/2006/main">
-  <p:cSld>
-    <p:spTree>
-      <p:nvGrpSpPr>
-        <p:cNvPr id="1" name=""/>
-        <p:cNvGrpSpPr/>
-        <p:nvPr/>
-      </p:nvGrpSpPr>
-      <p:grpSpPr>
-        <a:xfrm>
-          <a:off x="0" y="0"/>
-          <a:ext cx="0" cy="0"/>
-          <a:chOff x="0" y="0"/>
-          <a:chExt cx="0" cy="0"/>
-        </a:xfrm>
-      </p:grpSpPr>
-      <p:sp>
-        <p:nvSpPr>
-          <p:cNvPr id="10" name="제목 1">
+      <p:sp>
+        <p:nvSpPr>
+          <p:cNvPr id="14" name="직사각형 13">
             <a:extLst>
               <a:ext uri="{FF2B5EF4-FFF2-40B4-BE49-F238E27FC236}">
-                <a16:creationId xmlns:a16="http://schemas.microsoft.com/office/drawing/2014/main" id="{DF23B9BD-8FB0-57E8-93A7-03712C1CEF7B}"/>
-              </a:ext>
-            </a:extLst>
-          </p:cNvPr>
-          <p:cNvSpPr txBox="1">
-            <a:spLocks/>
-          </p:cNvSpPr>
-          <p:nvPr/>
-        </p:nvSpPr>
-        <p:spPr>
-          <a:xfrm>
-            <a:off x="4179229" y="1183888"/>
-            <a:ext cx="3833541" cy="415533"/>
-          </a:xfrm>
-          <a:prstGeom prst="rect">
-            <a:avLst/>
-          </a:prstGeom>
-        </p:spPr>
-        <p:txBody>
-          <a:bodyPr vert="horz" lIns="91440" tIns="45720" rIns="91440" bIns="45720" rtlCol="0" anchor="ctr">
-            <a:normAutofit fontScale="92500" lnSpcReduction="20000"/>
-          </a:bodyPr>
-          <a:lstStyle>
-            <a:lvl1pPr algn="l" defTabSz="914400" rtl="0" eaLnBrk="1" latinLnBrk="1" hangingPunct="1">
-              <a:lnSpc>
-                <a:spcPct val="90000"/>
-              </a:lnSpc>
-              <a:spcBef>
-                <a:spcPct val="0"/>
-              </a:spcBef>
-              <a:buNone/>
-              <a:defRPr sz="3200" b="0" i="0" kern="1200" cap="all">
-                <a:solidFill>
-                  <a:schemeClr val="tx1"/>
-                </a:solidFill>
-                <a:effectLst/>
-                <a:latin typeface="+mj-lt"/>
-                <a:ea typeface="+mj-ea"/>
-                <a:cs typeface="+mj-cs"/>
-              </a:defRPr>
-            </a:lvl1pPr>
-          </a:lstStyle>
-          <a:p>
-            <a:pPr algn="ctr"/>
-            <a:r>
-              <a:rPr lang="ko-KR" altLang="en-US" dirty="0">
-                <a:latin typeface="휴먼둥근헤드라인" panose="02030504000101010101" pitchFamily="18" charset="-127"/>
-                <a:ea typeface="휴먼둥근헤드라인" panose="02030504000101010101" pitchFamily="18" charset="-127"/>
-              </a:rPr>
-              <a:t> 이메일</a:t>
-            </a:r>
-            <a:endParaRPr lang="ko-KR" altLang="en-US" u="sng" dirty="0">
-              <a:latin typeface="휴먼둥근헤드라인" panose="02030504000101010101" pitchFamily="18" charset="-127"/>
-              <a:ea typeface="휴먼둥근헤드라인" panose="02030504000101010101" pitchFamily="18" charset="-127"/>
-            </a:endParaRPr>
-          </a:p>
-        </p:txBody>
-      </p:sp>
-      <p:pic>
-        <p:nvPicPr>
-          <p:cNvPr id="12" name="Picture 2" descr="마음으로 집 아이콘 | 프리미엄 벡터">
-            <a:extLst>
-              <a:ext uri="{FF2B5EF4-FFF2-40B4-BE49-F238E27FC236}">
-                <a16:creationId xmlns:a16="http://schemas.microsoft.com/office/drawing/2014/main" id="{DAB05AF1-10AE-6FBD-C5EA-C5FD58249F90}"/>
-              </a:ext>
-            </a:extLst>
-          </p:cNvPr>
-          <p:cNvPicPr>
-            <a:picLocks noChangeAspect="1" noChangeArrowheads="1"/>
-          </p:cNvPicPr>
-          <p:nvPr/>
-        </p:nvPicPr>
-        <p:blipFill>
-          <a:blip r:embed="rId2">
-            <a:extLst>
-              <a:ext uri="{28A0092B-C50C-407E-A947-70E740481C1C}">
-                <a14:useLocalDpi xmlns:a14="http://schemas.microsoft.com/office/drawing/2010/main" val="0"/>
-              </a:ext>
-            </a:extLst>
-          </a:blip>
-          <a:srcRect/>
-          <a:stretch>
-            <a:fillRect/>
-          </a:stretch>
-        </p:blipFill>
-        <p:spPr bwMode="auto">
-          <a:xfrm>
-            <a:off x="4483192" y="1058066"/>
-            <a:ext cx="638497" cy="638497"/>
-          </a:xfrm>
-          <a:prstGeom prst="rect">
-            <a:avLst/>
-          </a:prstGeom>
-          <a:noFill/>
-          <a:extLst>
-            <a:ext uri="{909E8E84-426E-40DD-AFC4-6F175D3DCCD1}">
-              <a14:hiddenFill xmlns:a14="http://schemas.microsoft.com/office/drawing/2010/main">
-                <a:solidFill>
-                  <a:srgbClr val="FFFFFF"/>
-                </a:solidFill>
-              </a14:hiddenFill>
-            </a:ext>
-          </a:extLst>
-        </p:spPr>
-      </p:pic>
-      <p:sp>
-        <p:nvSpPr>
-          <p:cNvPr id="6" name="화살표: 오른쪽 5">
-            <a:extLst>
-              <a:ext uri="{FF2B5EF4-FFF2-40B4-BE49-F238E27FC236}">
-                <a16:creationId xmlns:a16="http://schemas.microsoft.com/office/drawing/2014/main" id="{8302E30F-5CFE-CEE9-F1C0-3EA9B6B2CEAA}"/>
+                <a16:creationId xmlns:a16="http://schemas.microsoft.com/office/drawing/2014/main" id="{1ED5BB0C-BE94-5D1B-4446-CE5D5B00A470}"/>
               </a:ext>
             </a:extLst>
           </p:cNvPr>
@@ -5231,12 +5675,15 @@
         </p:nvSpPr>
         <p:spPr>
           <a:xfrm>
-            <a:off x="3760965" y="2588804"/>
-            <a:ext cx="287224" cy="336844"/>
-          </a:xfrm>
-          <a:prstGeom prst="rightArrow">
+            <a:off x="2814240" y="1861798"/>
+            <a:ext cx="1761689" cy="415533"/>
+          </a:xfrm>
+          <a:prstGeom prst="rect">
             <a:avLst/>
           </a:prstGeom>
+          <a:solidFill>
+            <a:schemeClr val="bg1"/>
+          </a:solidFill>
         </p:spPr>
         <p:style>
           <a:lnRef idx="2">
@@ -5259,46 +5706,28 @@
           <a:lstStyle/>
           <a:p>
             <a:pPr algn="ctr"/>
-            <a:endParaRPr lang="ko-KR" altLang="en-US"/>
-          </a:p>
-        </p:txBody>
-      </p:sp>
-      <p:pic>
-        <p:nvPicPr>
-          <p:cNvPr id="9" name="그림 8">
+            <a:r>
+              <a:rPr lang="ko-KR" altLang="en-US">
+                <a:solidFill>
+                  <a:schemeClr val="tx1"/>
+                </a:solidFill>
+              </a:rPr>
+              <a:t>지도 주소 성공</a:t>
+            </a:r>
+            <a:endParaRPr lang="ko-KR" altLang="en-US" dirty="0">
+              <a:solidFill>
+                <a:schemeClr val="tx1"/>
+              </a:solidFill>
+            </a:endParaRPr>
+          </a:p>
+        </p:txBody>
+      </p:sp>
+      <p:sp>
+        <p:nvSpPr>
+          <p:cNvPr id="15" name="직사각형 14">
             <a:extLst>
               <a:ext uri="{FF2B5EF4-FFF2-40B4-BE49-F238E27FC236}">
-                <a16:creationId xmlns:a16="http://schemas.microsoft.com/office/drawing/2014/main" id="{C802E6B3-08E4-C355-41C2-715CF990461E}"/>
-              </a:ext>
-            </a:extLst>
-          </p:cNvPr>
-          <p:cNvPicPr>
-            <a:picLocks noChangeAspect="1"/>
-          </p:cNvPicPr>
-          <p:nvPr/>
-        </p:nvPicPr>
-        <p:blipFill>
-          <a:blip r:embed="rId3"/>
-          <a:stretch>
-            <a:fillRect/>
-          </a:stretch>
-        </p:blipFill>
-        <p:spPr>
-          <a:xfrm>
-            <a:off x="4085349" y="2588804"/>
-            <a:ext cx="2583899" cy="638497"/>
-          </a:xfrm>
-          <a:prstGeom prst="rect">
-            <a:avLst/>
-          </a:prstGeom>
-        </p:spPr>
-      </p:pic>
-      <p:sp>
-        <p:nvSpPr>
-          <p:cNvPr id="13" name="화살표: 오른쪽 12">
-            <a:extLst>
-              <a:ext uri="{FF2B5EF4-FFF2-40B4-BE49-F238E27FC236}">
-                <a16:creationId xmlns:a16="http://schemas.microsoft.com/office/drawing/2014/main" id="{326EB131-D092-45B4-D780-82EF23D4EFF9}"/>
+                <a16:creationId xmlns:a16="http://schemas.microsoft.com/office/drawing/2014/main" id="{E1D3EF31-3FCF-0F4D-8D8E-ACEE4DFE40C4}"/>
               </a:ext>
             </a:extLst>
           </p:cNvPr>
@@ -5307,12 +5736,15 @@
         </p:nvSpPr>
         <p:spPr>
           <a:xfrm>
-            <a:off x="6904503" y="2595036"/>
-            <a:ext cx="287224" cy="336844"/>
-          </a:xfrm>
-          <a:prstGeom prst="rightArrow">
+            <a:off x="8470404" y="1861799"/>
+            <a:ext cx="1761689" cy="415533"/>
+          </a:xfrm>
+          <a:prstGeom prst="rect">
             <a:avLst/>
           </a:prstGeom>
+          <a:solidFill>
+            <a:schemeClr val="bg1"/>
+          </a:solidFill>
         </p:spPr>
         <p:style>
           <a:lnRef idx="2">
@@ -5335,74 +5767,26 @@
           <a:lstStyle/>
           <a:p>
             <a:pPr algn="ctr"/>
-            <a:endParaRPr lang="ko-KR" altLang="en-US"/>
-          </a:p>
-        </p:txBody>
-      </p:sp>
-      <p:pic>
-        <p:nvPicPr>
-          <p:cNvPr id="14" name="그림 13">
-            <a:extLst>
-              <a:ext uri="{FF2B5EF4-FFF2-40B4-BE49-F238E27FC236}">
-                <a16:creationId xmlns:a16="http://schemas.microsoft.com/office/drawing/2014/main" id="{B2B475A8-B9E5-E4C5-68D0-6C9875A72C9F}"/>
-              </a:ext>
-            </a:extLst>
-          </p:cNvPr>
-          <p:cNvPicPr>
-            <a:picLocks noChangeAspect="1"/>
-          </p:cNvPicPr>
-          <p:nvPr/>
-        </p:nvPicPr>
-        <p:blipFill>
-          <a:blip r:embed="rId4"/>
-          <a:stretch>
-            <a:fillRect/>
-          </a:stretch>
-        </p:blipFill>
-        <p:spPr>
-          <a:xfrm>
-            <a:off x="7318016" y="2418365"/>
-            <a:ext cx="3724712" cy="2992533"/>
-          </a:xfrm>
-          <a:prstGeom prst="rect">
-            <a:avLst/>
-          </a:prstGeom>
-        </p:spPr>
-      </p:pic>
-      <p:pic>
-        <p:nvPicPr>
-          <p:cNvPr id="18" name="그림 17">
-            <a:extLst>
-              <a:ext uri="{FF2B5EF4-FFF2-40B4-BE49-F238E27FC236}">
-                <a16:creationId xmlns:a16="http://schemas.microsoft.com/office/drawing/2014/main" id="{287A0CCE-ACF9-4189-004D-C0B98AC76CBF}"/>
-              </a:ext>
-            </a:extLst>
-          </p:cNvPr>
-          <p:cNvPicPr>
-            <a:picLocks noChangeAspect="1"/>
-          </p:cNvPicPr>
-          <p:nvPr/>
-        </p:nvPicPr>
-        <p:blipFill>
-          <a:blip r:embed="rId5"/>
-          <a:stretch>
-            <a:fillRect/>
-          </a:stretch>
-        </p:blipFill>
-        <p:spPr>
-          <a:xfrm>
-            <a:off x="1269575" y="2491273"/>
-            <a:ext cx="2365101" cy="2992533"/>
-          </a:xfrm>
-          <a:prstGeom prst="rect">
-            <a:avLst/>
-          </a:prstGeom>
-        </p:spPr>
-      </p:pic>
+            <a:r>
+              <a:rPr lang="ko-KR" altLang="en-US">
+                <a:solidFill>
+                  <a:schemeClr val="tx1"/>
+                </a:solidFill>
+              </a:rPr>
+              <a:t>지도 주소 실패</a:t>
+            </a:r>
+            <a:endParaRPr lang="ko-KR" altLang="en-US" dirty="0">
+              <a:solidFill>
+                <a:schemeClr val="tx1"/>
+              </a:solidFill>
+            </a:endParaRPr>
+          </a:p>
+        </p:txBody>
+      </p:sp>
     </p:spTree>
     <p:extLst>
       <p:ext uri="{BB962C8B-B14F-4D97-AF65-F5344CB8AC3E}">
-        <p14:creationId xmlns:p14="http://schemas.microsoft.com/office/powerpoint/2010/main" val="454228358"/>
+        <p14:creationId xmlns:p14="http://schemas.microsoft.com/office/powerpoint/2010/main" val="1576107974"/>
       </p:ext>
     </p:extLst>
   </p:cSld>
@@ -5431,10 +5815,10 @@
       </p:grpSpPr>
       <p:sp>
         <p:nvSpPr>
-          <p:cNvPr id="5" name="제목 1">
+          <p:cNvPr id="10" name="제목 1">
             <a:extLst>
               <a:ext uri="{FF2B5EF4-FFF2-40B4-BE49-F238E27FC236}">
-                <a16:creationId xmlns:a16="http://schemas.microsoft.com/office/drawing/2014/main" id="{4E29E85C-7583-BDBA-A6DB-5A64AC18B199}"/>
+                <a16:creationId xmlns:a16="http://schemas.microsoft.com/office/drawing/2014/main" id="{DF23B9BD-8FB0-57E8-93A7-03712C1CEF7B}"/>
               </a:ext>
             </a:extLst>
           </p:cNvPr>
@@ -5483,24 +5867,21 @@
                 <a:latin typeface="휴먼둥근헤드라인" panose="02030504000101010101" pitchFamily="18" charset="-127"/>
                 <a:ea typeface="휴먼둥근헤드라인" panose="02030504000101010101" pitchFamily="18" charset="-127"/>
               </a:rPr>
-              <a:t>  </a:t>
-            </a:r>
-            <a:r>
-              <a:rPr lang="ko-KR" altLang="en-US" u="sng" dirty="0">
-                <a:latin typeface="휴먼둥근헤드라인" panose="02030504000101010101" pitchFamily="18" charset="-127"/>
-                <a:ea typeface="휴먼둥근헤드라인" panose="02030504000101010101" pitchFamily="18" charset="-127"/>
-              </a:rPr>
-              <a:t>개발 계획</a:t>
-            </a:r>
+              <a:t> 이메일</a:t>
+            </a:r>
+            <a:endParaRPr lang="ko-KR" altLang="en-US" u="sng" dirty="0">
+              <a:latin typeface="휴먼둥근헤드라인" panose="02030504000101010101" pitchFamily="18" charset="-127"/>
+              <a:ea typeface="휴먼둥근헤드라인" panose="02030504000101010101" pitchFamily="18" charset="-127"/>
+            </a:endParaRPr>
           </a:p>
         </p:txBody>
       </p:sp>
       <p:pic>
         <p:nvPicPr>
-          <p:cNvPr id="6" name="Picture 2" descr="마음으로 집 아이콘 | 프리미엄 벡터">
+          <p:cNvPr id="12" name="Picture 2" descr="마음으로 집 아이콘 | 프리미엄 벡터">
             <a:extLst>
               <a:ext uri="{FF2B5EF4-FFF2-40B4-BE49-F238E27FC236}">
-                <a16:creationId xmlns:a16="http://schemas.microsoft.com/office/drawing/2014/main" id="{2BEA5F50-B2C3-C517-F0BF-6EC65DAF5DED}"/>
+                <a16:creationId xmlns:a16="http://schemas.microsoft.com/office/drawing/2014/main" id="{DAB05AF1-10AE-6FBD-C5EA-C5FD58249F90}"/>
               </a:ext>
             </a:extLst>
           </p:cNvPr>
@@ -5542,748 +5923,1251 @@
           </a:extLst>
         </p:spPr>
       </p:pic>
-      <p:graphicFrame>
-        <p:nvGraphicFramePr>
-          <p:cNvPr id="3" name="표 3">
+      <p:sp>
+        <p:nvSpPr>
+          <p:cNvPr id="6" name="화살표: 오른쪽 5">
             <a:extLst>
               <a:ext uri="{FF2B5EF4-FFF2-40B4-BE49-F238E27FC236}">
-                <a16:creationId xmlns:a16="http://schemas.microsoft.com/office/drawing/2014/main" id="{B73AAFA6-A7E4-C47B-03EB-F5AB1090E78C}"/>
+                <a16:creationId xmlns:a16="http://schemas.microsoft.com/office/drawing/2014/main" id="{8302E30F-5CFE-CEE9-F1C0-3EA9B6B2CEAA}"/>
               </a:ext>
             </a:extLst>
           </p:cNvPr>
-          <p:cNvGraphicFramePr>
-            <a:graphicFrameLocks noGrp="1"/>
-          </p:cNvGraphicFramePr>
-          <p:nvPr>
-            <p:extLst>
-              <p:ext uri="{D42A27DB-BD31-4B8C-83A1-F6EECF244321}">
-                <p14:modId xmlns:p14="http://schemas.microsoft.com/office/powerpoint/2010/main" val="1587525117"/>
-              </p:ext>
-            </p:extLst>
-          </p:nvPr>
-        </p:nvGraphicFramePr>
-        <p:xfrm>
-          <a:off x="1493241" y="1996192"/>
-          <a:ext cx="9420837" cy="3677920"/>
-        </p:xfrm>
-        <a:graphic>
-          <a:graphicData uri="http://schemas.openxmlformats.org/drawingml/2006/table">
-            <a:tbl>
-              <a:tblPr firstRow="1" bandRow="1">
-                <a:tableStyleId>{5C22544A-7EE6-4342-B048-85BDC9FD1C3A}</a:tableStyleId>
-              </a:tblPr>
-              <a:tblGrid>
-                <a:gridCol w="3140279">
-                  <a:extLst>
-                    <a:ext uri="{9D8B030D-6E8A-4147-A177-3AD203B41FA5}">
-                      <a16:colId xmlns:a16="http://schemas.microsoft.com/office/drawing/2014/main" val="2814529749"/>
-                    </a:ext>
-                  </a:extLst>
-                </a:gridCol>
-                <a:gridCol w="3140279">
-                  <a:extLst>
-                    <a:ext uri="{9D8B030D-6E8A-4147-A177-3AD203B41FA5}">
-                      <a16:colId xmlns:a16="http://schemas.microsoft.com/office/drawing/2014/main" val="3286147410"/>
-                    </a:ext>
-                  </a:extLst>
-                </a:gridCol>
-                <a:gridCol w="3140279">
-                  <a:extLst>
-                    <a:ext uri="{9D8B030D-6E8A-4147-A177-3AD203B41FA5}">
-                      <a16:colId xmlns:a16="http://schemas.microsoft.com/office/drawing/2014/main" val="456457533"/>
-                    </a:ext>
-                  </a:extLst>
-                </a:gridCol>
-              </a:tblGrid>
-              <a:tr h="370840">
-                <a:tc>
-                  <a:txBody>
-                    <a:bodyPr/>
-                    <a:lstStyle/>
-                    <a:p>
-                      <a:pPr algn="ctr" latinLnBrk="1"/>
-                      <a:r>
-                        <a:rPr lang="ko-KR" altLang="en-US" dirty="0">
-                          <a:solidFill>
-                            <a:schemeClr val="tx1"/>
-                          </a:solidFill>
-                        </a:rPr>
-                        <a:t>주차</a:t>
-                      </a:r>
-                    </a:p>
-                  </a:txBody>
-                  <a:tcPr/>
-                </a:tc>
-                <a:tc>
-                  <a:txBody>
-                    <a:bodyPr/>
-                    <a:lstStyle/>
-                    <a:p>
-                      <a:pPr algn="ctr" latinLnBrk="1"/>
-                      <a:r>
-                        <a:rPr lang="ko-KR" altLang="en-US" dirty="0">
-                          <a:solidFill>
-                            <a:schemeClr val="tx1"/>
-                          </a:solidFill>
-                        </a:rPr>
-                        <a:t>내용</a:t>
-                      </a:r>
-                    </a:p>
-                  </a:txBody>
-                  <a:tcPr/>
-                </a:tc>
-                <a:tc>
-                  <a:txBody>
-                    <a:bodyPr/>
-                    <a:lstStyle/>
-                    <a:p>
-                      <a:pPr algn="ctr" latinLnBrk="1"/>
-                      <a:r>
-                        <a:rPr lang="ko-KR" altLang="en-US" dirty="0">
-                          <a:solidFill>
-                            <a:schemeClr val="tx1"/>
-                          </a:solidFill>
-                        </a:rPr>
-                        <a:t>세부계획</a:t>
-                      </a:r>
-                    </a:p>
-                  </a:txBody>
-                  <a:tcPr/>
-                </a:tc>
-                <a:extLst>
-                  <a:ext uri="{0D108BD9-81ED-4DB2-BD59-A6C34878D82A}">
-                    <a16:rowId xmlns:a16="http://schemas.microsoft.com/office/drawing/2014/main" val="159998443"/>
-                  </a:ext>
-                </a:extLst>
-              </a:tr>
-              <a:tr h="370840">
-                <a:tc>
-                  <a:txBody>
-                    <a:bodyPr/>
-                    <a:lstStyle/>
-                    <a:p>
-                      <a:pPr algn="ctr" latinLnBrk="1"/>
-                      <a:r>
-                        <a:rPr lang="en-US" altLang="ko-KR" dirty="0">
-                          <a:solidFill>
-                            <a:schemeClr val="tx1"/>
-                          </a:solidFill>
-                        </a:rPr>
-                        <a:t>1</a:t>
-                      </a:r>
-                      <a:r>
-                        <a:rPr lang="ko-KR" altLang="en-US" dirty="0">
-                          <a:solidFill>
-                            <a:schemeClr val="tx1"/>
-                          </a:solidFill>
-                        </a:rPr>
-                        <a:t>주차</a:t>
-                      </a:r>
-                    </a:p>
-                  </a:txBody>
-                  <a:tcPr/>
-                </a:tc>
-                <a:tc>
-                  <a:txBody>
-                    <a:bodyPr/>
-                    <a:lstStyle/>
-                    <a:p>
-                      <a:pPr algn="ctr" latinLnBrk="1"/>
-                      <a:r>
-                        <a:rPr lang="ko-KR" altLang="en-US" dirty="0">
-                          <a:solidFill>
-                            <a:srgbClr val="FF0000"/>
-                          </a:solidFill>
-                        </a:rPr>
-                        <a:t>주제 선정</a:t>
-                      </a:r>
-                      <a:endParaRPr lang="en-US" altLang="ko-KR" dirty="0">
-                        <a:solidFill>
-                          <a:srgbClr val="FF0000"/>
-                        </a:solidFill>
-                      </a:endParaRPr>
-                    </a:p>
-                    <a:p>
-                      <a:pPr algn="ctr" latinLnBrk="1"/>
-                      <a:r>
-                        <a:rPr lang="ko-KR" altLang="en-US" dirty="0">
-                          <a:solidFill>
-                            <a:srgbClr val="FF0000"/>
-                          </a:solidFill>
-                        </a:rPr>
-                        <a:t>프로젝트 준비</a:t>
-                      </a:r>
-                    </a:p>
-                  </a:txBody>
-                  <a:tcPr/>
-                </a:tc>
-                <a:tc>
-                  <a:txBody>
-                    <a:bodyPr/>
-                    <a:lstStyle/>
-                    <a:p>
-                      <a:pPr algn="ctr" latinLnBrk="1"/>
-                      <a:r>
-                        <a:rPr lang="ko-KR" altLang="en-US" dirty="0">
-                          <a:solidFill>
-                            <a:srgbClr val="FF0000"/>
-                          </a:solidFill>
-                        </a:rPr>
-                        <a:t>회의</a:t>
-                      </a:r>
-                      <a:endParaRPr lang="en-US" altLang="ko-KR" dirty="0">
-                        <a:solidFill>
-                          <a:srgbClr val="FF0000"/>
-                        </a:solidFill>
-                      </a:endParaRPr>
-                    </a:p>
-                  </a:txBody>
-                  <a:tcPr/>
-                </a:tc>
-                <a:extLst>
-                  <a:ext uri="{0D108BD9-81ED-4DB2-BD59-A6C34878D82A}">
-                    <a16:rowId xmlns:a16="http://schemas.microsoft.com/office/drawing/2014/main" val="795741806"/>
-                  </a:ext>
-                </a:extLst>
-              </a:tr>
-              <a:tr h="843528">
-                <a:tc>
-                  <a:txBody>
-                    <a:bodyPr/>
-                    <a:lstStyle/>
-                    <a:p>
-                      <a:pPr algn="ctr" latinLnBrk="1"/>
-                      <a:r>
-                        <a:rPr lang="en-US" altLang="ko-KR" dirty="0">
-                          <a:solidFill>
-                            <a:schemeClr val="tx1"/>
-                          </a:solidFill>
-                        </a:rPr>
-                        <a:t>2</a:t>
-                      </a:r>
-                      <a:r>
-                        <a:rPr lang="ko-KR" altLang="en-US" dirty="0">
-                          <a:solidFill>
-                            <a:schemeClr val="tx1"/>
-                          </a:solidFill>
-                        </a:rPr>
-                        <a:t>주차</a:t>
-                      </a:r>
-                    </a:p>
-                  </a:txBody>
-                  <a:tcPr/>
-                </a:tc>
-                <a:tc>
-                  <a:txBody>
-                    <a:bodyPr/>
-                    <a:lstStyle/>
-                    <a:p>
-                      <a:pPr algn="ctr" latinLnBrk="1"/>
-                      <a:r>
-                        <a:rPr lang="ko-KR" altLang="en-US" dirty="0">
-                          <a:solidFill>
-                            <a:srgbClr val="FF0000"/>
-                          </a:solidFill>
-                        </a:rPr>
-                        <a:t>기획 발표</a:t>
-                      </a:r>
-                      <a:endParaRPr lang="en-US" altLang="ko-KR" dirty="0">
-                        <a:solidFill>
-                          <a:srgbClr val="FF0000"/>
-                        </a:solidFill>
-                      </a:endParaRPr>
-                    </a:p>
-                    <a:p>
-                      <a:pPr algn="ctr" latinLnBrk="1"/>
-                      <a:r>
-                        <a:rPr lang="ko-KR" altLang="en-US" dirty="0">
-                          <a:solidFill>
-                            <a:srgbClr val="FF0000"/>
-                          </a:solidFill>
-                        </a:rPr>
-                        <a:t>리소스</a:t>
-                      </a:r>
-                      <a:endParaRPr lang="en-US" altLang="ko-KR" dirty="0">
-                        <a:solidFill>
-                          <a:srgbClr val="FF0000"/>
-                        </a:solidFill>
-                      </a:endParaRPr>
-                    </a:p>
-                    <a:p>
-                      <a:pPr algn="ctr" latinLnBrk="1"/>
-                      <a:r>
-                        <a:rPr lang="en-US" altLang="ko-KR" dirty="0">
-                          <a:solidFill>
-                            <a:srgbClr val="FF0000"/>
-                          </a:solidFill>
-                        </a:rPr>
-                        <a:t>UI</a:t>
-                      </a:r>
-                      <a:r>
-                        <a:rPr lang="ko-KR" altLang="en-US" dirty="0">
-                          <a:solidFill>
-                            <a:srgbClr val="FF0000"/>
-                          </a:solidFill>
-                        </a:rPr>
-                        <a:t>설계</a:t>
-                      </a:r>
-                      <a:endParaRPr lang="en-US" altLang="ko-KR" dirty="0">
-                        <a:solidFill>
-                          <a:srgbClr val="FF0000"/>
-                        </a:solidFill>
-                      </a:endParaRPr>
-                    </a:p>
-                  </a:txBody>
-                  <a:tcPr/>
-                </a:tc>
-                <a:tc>
-                  <a:txBody>
-                    <a:bodyPr/>
-                    <a:lstStyle/>
-                    <a:p>
-                      <a:pPr algn="ctr" latinLnBrk="1"/>
-                      <a:r>
-                        <a:rPr lang="ko-KR" altLang="en-US" dirty="0">
-                          <a:solidFill>
-                            <a:srgbClr val="FF0000"/>
-                          </a:solidFill>
-                        </a:rPr>
-                        <a:t>기획 제작</a:t>
-                      </a:r>
-                      <a:endParaRPr lang="en-US" altLang="ko-KR" dirty="0">
-                        <a:solidFill>
-                          <a:srgbClr val="FF0000"/>
-                        </a:solidFill>
-                      </a:endParaRPr>
-                    </a:p>
-                    <a:p>
-                      <a:pPr algn="ctr" latinLnBrk="1"/>
-                      <a:r>
-                        <a:rPr lang="ko-KR" altLang="en-US" dirty="0">
-                          <a:solidFill>
-                            <a:srgbClr val="FF0000"/>
-                          </a:solidFill>
-                        </a:rPr>
-                        <a:t>리소스 탐색</a:t>
-                      </a:r>
-                      <a:endParaRPr lang="en-US" altLang="ko-KR" dirty="0">
-                        <a:solidFill>
-                          <a:srgbClr val="FF0000"/>
-                        </a:solidFill>
-                      </a:endParaRPr>
-                    </a:p>
-                    <a:p>
-                      <a:pPr marL="0" marR="0" lvl="0" indent="0" algn="ctr" defTabSz="914400" rtl="0" eaLnBrk="1" fontAlgn="auto" latinLnBrk="1" hangingPunct="1">
-                        <a:lnSpc>
-                          <a:spcPct val="100000"/>
-                        </a:lnSpc>
-                        <a:spcBef>
-                          <a:spcPts val="0"/>
-                        </a:spcBef>
-                        <a:spcAft>
-                          <a:spcPts val="0"/>
-                        </a:spcAft>
-                        <a:buClrTx/>
-                        <a:buSzTx/>
-                        <a:buFontTx/>
-                        <a:buNone/>
-                        <a:tabLst/>
-                        <a:defRPr/>
-                      </a:pPr>
-                      <a:r>
-                        <a:rPr lang="ko-KR" altLang="en-US" dirty="0">
-                          <a:solidFill>
-                            <a:srgbClr val="FF0000"/>
-                          </a:solidFill>
-                        </a:rPr>
-                        <a:t>기본 프레임 워크</a:t>
-                      </a:r>
-                      <a:r>
-                        <a:rPr lang="en-US" altLang="ko-KR" dirty="0">
-                          <a:solidFill>
-                            <a:srgbClr val="FF0000"/>
-                          </a:solidFill>
-                        </a:rPr>
-                        <a:t> </a:t>
-                      </a:r>
-                      <a:r>
-                        <a:rPr lang="ko-KR" altLang="en-US" dirty="0">
-                          <a:solidFill>
-                            <a:srgbClr val="FF0000"/>
-                          </a:solidFill>
-                        </a:rPr>
-                        <a:t>제작</a:t>
-                      </a:r>
-                    </a:p>
-                  </a:txBody>
-                  <a:tcPr/>
-                </a:tc>
-                <a:extLst>
-                  <a:ext uri="{0D108BD9-81ED-4DB2-BD59-A6C34878D82A}">
-                    <a16:rowId xmlns:a16="http://schemas.microsoft.com/office/drawing/2014/main" val="3950545030"/>
-                  </a:ext>
-                </a:extLst>
-              </a:tr>
-              <a:tr h="370840">
-                <a:tc>
-                  <a:txBody>
-                    <a:bodyPr/>
-                    <a:lstStyle/>
-                    <a:p>
-                      <a:pPr algn="ctr" latinLnBrk="1"/>
-                      <a:r>
-                        <a:rPr lang="en-US" altLang="ko-KR" dirty="0">
-                          <a:solidFill>
-                            <a:schemeClr val="tx1"/>
-                          </a:solidFill>
-                        </a:rPr>
-                        <a:t>3</a:t>
-                      </a:r>
-                      <a:r>
-                        <a:rPr lang="ko-KR" altLang="en-US" dirty="0">
-                          <a:solidFill>
-                            <a:schemeClr val="tx1"/>
-                          </a:solidFill>
-                        </a:rPr>
-                        <a:t>주차</a:t>
-                      </a:r>
-                    </a:p>
-                  </a:txBody>
-                  <a:tcPr/>
-                </a:tc>
-                <a:tc>
-                  <a:txBody>
-                    <a:bodyPr/>
-                    <a:lstStyle/>
-                    <a:p>
-                      <a:pPr algn="ctr" latinLnBrk="1"/>
-                      <a:r>
-                        <a:rPr lang="en-US" altLang="ko-KR" dirty="0">
-                          <a:solidFill>
-                            <a:srgbClr val="FF0000"/>
-                          </a:solidFill>
-                          <a:highlight>
-                            <a:srgbClr val="FFFF00"/>
-                          </a:highlight>
-                        </a:rPr>
-                        <a:t>Open API</a:t>
-                      </a:r>
-                      <a:r>
-                        <a:rPr lang="ko-KR" altLang="en-US" dirty="0">
-                          <a:solidFill>
-                            <a:srgbClr val="FF0000"/>
-                          </a:solidFill>
-                          <a:highlight>
-                            <a:srgbClr val="FFFF00"/>
-                          </a:highlight>
-                        </a:rPr>
-                        <a:t>연동</a:t>
-                      </a:r>
-                      <a:endParaRPr lang="en-US" altLang="ko-KR" dirty="0">
-                        <a:solidFill>
-                          <a:srgbClr val="FF0000"/>
-                        </a:solidFill>
-                        <a:highlight>
-                          <a:srgbClr val="FFFF00"/>
-                        </a:highlight>
-                      </a:endParaRPr>
-                    </a:p>
-                    <a:p>
-                      <a:pPr algn="ctr" latinLnBrk="1"/>
-                      <a:r>
-                        <a:rPr lang="ko-KR" altLang="en-US" dirty="0">
-                          <a:solidFill>
-                            <a:srgbClr val="FF0000"/>
-                          </a:solidFill>
-                          <a:highlight>
-                            <a:srgbClr val="FFFF00"/>
-                          </a:highlight>
-                        </a:rPr>
-                        <a:t>연동 데이터 출력</a:t>
-                      </a:r>
-                    </a:p>
-                  </a:txBody>
-                  <a:tcPr/>
-                </a:tc>
-                <a:tc>
-                  <a:txBody>
-                    <a:bodyPr/>
-                    <a:lstStyle/>
-                    <a:p>
-                      <a:pPr algn="ctr" latinLnBrk="1"/>
-                      <a:r>
-                        <a:rPr lang="ko-KR" altLang="en-US" dirty="0">
-                          <a:solidFill>
-                            <a:srgbClr val="FF0000"/>
-                          </a:solidFill>
-                        </a:rPr>
-                        <a:t>리소스 다운</a:t>
-                      </a:r>
-                      <a:endParaRPr lang="en-US" altLang="ko-KR" dirty="0">
-                        <a:solidFill>
-                          <a:srgbClr val="FF0000"/>
-                        </a:solidFill>
-                      </a:endParaRPr>
-                    </a:p>
-                    <a:p>
-                      <a:pPr algn="ctr" latinLnBrk="1"/>
-                      <a:r>
-                        <a:rPr lang="en-US" altLang="ko-KR" dirty="0" err="1">
-                          <a:solidFill>
-                            <a:srgbClr val="FF0000"/>
-                          </a:solidFill>
-                        </a:rPr>
-                        <a:t>Api</a:t>
-                      </a:r>
-                      <a:r>
-                        <a:rPr lang="ko-KR" altLang="en-US" dirty="0">
-                          <a:solidFill>
-                            <a:srgbClr val="FF0000"/>
-                          </a:solidFill>
-                        </a:rPr>
-                        <a:t>연동</a:t>
-                      </a:r>
-                    </a:p>
-                  </a:txBody>
-                  <a:tcPr/>
-                </a:tc>
-                <a:extLst>
-                  <a:ext uri="{0D108BD9-81ED-4DB2-BD59-A6C34878D82A}">
-                    <a16:rowId xmlns:a16="http://schemas.microsoft.com/office/drawing/2014/main" val="3771722480"/>
-                  </a:ext>
-                </a:extLst>
-              </a:tr>
-              <a:tr h="370840">
-                <a:tc>
-                  <a:txBody>
-                    <a:bodyPr/>
-                    <a:lstStyle/>
-                    <a:p>
-                      <a:pPr algn="ctr" latinLnBrk="1"/>
-                      <a:r>
-                        <a:rPr lang="en-US" altLang="ko-KR" dirty="0">
-                          <a:solidFill>
-                            <a:schemeClr val="tx1"/>
-                          </a:solidFill>
-                        </a:rPr>
-                        <a:t>4</a:t>
-                      </a:r>
-                      <a:r>
-                        <a:rPr lang="ko-KR" altLang="en-US" dirty="0">
-                          <a:solidFill>
-                            <a:schemeClr val="tx1"/>
-                          </a:solidFill>
-                        </a:rPr>
-                        <a:t>주차</a:t>
-                      </a:r>
-                    </a:p>
-                  </a:txBody>
-                  <a:tcPr/>
-                </a:tc>
-                <a:tc>
-                  <a:txBody>
-                    <a:bodyPr/>
-                    <a:lstStyle/>
-                    <a:p>
-                      <a:pPr algn="ctr" latinLnBrk="1"/>
-                      <a:r>
-                        <a:rPr lang="ko-KR" altLang="en-US" dirty="0">
-                          <a:solidFill>
-                            <a:srgbClr val="FF0000"/>
-                          </a:solidFill>
-                        </a:rPr>
-                        <a:t>지도 연동</a:t>
-                      </a:r>
-                    </a:p>
-                  </a:txBody>
-                  <a:tcPr/>
-                </a:tc>
-                <a:tc>
-                  <a:txBody>
-                    <a:bodyPr/>
-                    <a:lstStyle/>
-                    <a:p>
-                      <a:pPr algn="ctr" latinLnBrk="1"/>
-                      <a:r>
-                        <a:rPr lang="ko-KR" altLang="en-US" dirty="0">
-                          <a:solidFill>
-                            <a:srgbClr val="FF0000"/>
-                          </a:solidFill>
-                        </a:rPr>
-                        <a:t>지도 연동 및 제작</a:t>
-                      </a:r>
-                    </a:p>
-                  </a:txBody>
-                  <a:tcPr/>
-                </a:tc>
-                <a:extLst>
-                  <a:ext uri="{0D108BD9-81ED-4DB2-BD59-A6C34878D82A}">
-                    <a16:rowId xmlns:a16="http://schemas.microsoft.com/office/drawing/2014/main" val="2313238175"/>
-                  </a:ext>
-                </a:extLst>
-              </a:tr>
-              <a:tr h="370840">
-                <a:tc>
-                  <a:txBody>
-                    <a:bodyPr/>
-                    <a:lstStyle/>
-                    <a:p>
-                      <a:pPr algn="ctr" latinLnBrk="1"/>
-                      <a:r>
-                        <a:rPr lang="en-US" altLang="ko-KR" dirty="0">
-                          <a:solidFill>
-                            <a:schemeClr val="tx1"/>
-                          </a:solidFill>
-                        </a:rPr>
-                        <a:t>5</a:t>
-                      </a:r>
-                      <a:r>
-                        <a:rPr lang="ko-KR" altLang="en-US" dirty="0">
-                          <a:solidFill>
-                            <a:schemeClr val="tx1"/>
-                          </a:solidFill>
-                        </a:rPr>
-                        <a:t>주차</a:t>
-                      </a:r>
-                    </a:p>
-                  </a:txBody>
-                  <a:tcPr/>
-                </a:tc>
-                <a:tc>
-                  <a:txBody>
-                    <a:bodyPr/>
-                    <a:lstStyle/>
-                    <a:p>
-                      <a:pPr algn="ctr" latinLnBrk="1"/>
-                      <a:r>
-                        <a:rPr lang="ko-KR" altLang="en-US" dirty="0">
-                          <a:solidFill>
-                            <a:schemeClr val="tx1"/>
-                          </a:solidFill>
-                        </a:rPr>
-                        <a:t>버그 수정</a:t>
-                      </a:r>
-                    </a:p>
-                  </a:txBody>
-                  <a:tcPr/>
-                </a:tc>
-                <a:tc>
-                  <a:txBody>
-                    <a:bodyPr/>
-                    <a:lstStyle/>
-                    <a:p>
-                      <a:pPr algn="ctr" latinLnBrk="1"/>
-                      <a:r>
-                        <a:rPr lang="ko-KR" altLang="en-US" dirty="0">
-                          <a:solidFill>
-                            <a:schemeClr val="tx1"/>
-                          </a:solidFill>
-                        </a:rPr>
-                        <a:t>버그 수정 </a:t>
-                      </a:r>
-                      <a:r>
-                        <a:rPr lang="en-US" altLang="ko-KR" dirty="0">
-                          <a:solidFill>
-                            <a:schemeClr val="tx1"/>
-                          </a:solidFill>
-                        </a:rPr>
-                        <a:t>,</a:t>
-                      </a:r>
-                      <a:r>
-                        <a:rPr lang="ko-KR" altLang="en-US" dirty="0">
-                          <a:solidFill>
-                            <a:srgbClr val="FF0000"/>
-                          </a:solidFill>
-                        </a:rPr>
-                        <a:t>메일 연동 예정</a:t>
-                      </a:r>
-                    </a:p>
-                  </a:txBody>
-                  <a:tcPr/>
-                </a:tc>
-                <a:extLst>
-                  <a:ext uri="{0D108BD9-81ED-4DB2-BD59-A6C34878D82A}">
-                    <a16:rowId xmlns:a16="http://schemas.microsoft.com/office/drawing/2014/main" val="3243919355"/>
-                  </a:ext>
-                </a:extLst>
-              </a:tr>
-              <a:tr h="370840">
-                <a:tc>
-                  <a:txBody>
-                    <a:bodyPr/>
-                    <a:lstStyle/>
-                    <a:p>
-                      <a:pPr algn="ctr" latinLnBrk="1"/>
-                      <a:r>
-                        <a:rPr lang="en-US" altLang="ko-KR" dirty="0">
-                          <a:solidFill>
-                            <a:schemeClr val="tx1"/>
-                          </a:solidFill>
-                        </a:rPr>
-                        <a:t>6</a:t>
-                      </a:r>
-                      <a:r>
-                        <a:rPr lang="ko-KR" altLang="en-US" dirty="0">
-                          <a:solidFill>
-                            <a:schemeClr val="tx1"/>
-                          </a:solidFill>
-                        </a:rPr>
-                        <a:t>주차</a:t>
-                      </a:r>
-                    </a:p>
-                  </a:txBody>
-                  <a:tcPr/>
-                </a:tc>
-                <a:tc>
-                  <a:txBody>
-                    <a:bodyPr/>
-                    <a:lstStyle/>
-                    <a:p>
-                      <a:pPr algn="ctr" latinLnBrk="1"/>
-                      <a:r>
-                        <a:rPr lang="ko-KR" altLang="en-US" dirty="0">
-                          <a:solidFill>
-                            <a:schemeClr val="tx1"/>
-                          </a:solidFill>
-                        </a:rPr>
-                        <a:t>버그 수정</a:t>
-                      </a:r>
-                    </a:p>
-                  </a:txBody>
-                  <a:tcPr/>
-                </a:tc>
-                <a:tc>
-                  <a:txBody>
-                    <a:bodyPr/>
-                    <a:lstStyle/>
-                    <a:p>
-                      <a:pPr algn="ctr" latinLnBrk="1"/>
-                      <a:r>
-                        <a:rPr lang="ko-KR" altLang="en-US" dirty="0">
-                          <a:solidFill>
-                            <a:schemeClr val="tx1"/>
-                          </a:solidFill>
-                        </a:rPr>
-                        <a:t>버그 수정</a:t>
-                      </a:r>
-                    </a:p>
-                  </a:txBody>
-                  <a:tcPr/>
-                </a:tc>
-                <a:extLst>
-                  <a:ext uri="{0D108BD9-81ED-4DB2-BD59-A6C34878D82A}">
-                    <a16:rowId xmlns:a16="http://schemas.microsoft.com/office/drawing/2014/main" val="2594912598"/>
-                  </a:ext>
-                </a:extLst>
-              </a:tr>
-            </a:tbl>
-          </a:graphicData>
-        </a:graphic>
-      </p:graphicFrame>
+          <p:cNvSpPr/>
+          <p:nvPr/>
+        </p:nvSpPr>
+        <p:spPr>
+          <a:xfrm>
+            <a:off x="3056289" y="2588804"/>
+            <a:ext cx="287224" cy="336844"/>
+          </a:xfrm>
+          <a:prstGeom prst="rightArrow">
+            <a:avLst/>
+          </a:prstGeom>
+        </p:spPr>
+        <p:style>
+          <a:lnRef idx="2">
+            <a:schemeClr val="accent1">
+              <a:shade val="50000"/>
+            </a:schemeClr>
+          </a:lnRef>
+          <a:fillRef idx="1">
+            <a:schemeClr val="accent1"/>
+          </a:fillRef>
+          <a:effectRef idx="0">
+            <a:schemeClr val="accent1"/>
+          </a:effectRef>
+          <a:fontRef idx="minor">
+            <a:schemeClr val="lt1"/>
+          </a:fontRef>
+        </p:style>
+        <p:txBody>
+          <a:bodyPr rtlCol="0" anchor="ctr"/>
+          <a:lstStyle/>
+          <a:p>
+            <a:pPr algn="ctr"/>
+            <a:endParaRPr lang="ko-KR" altLang="en-US"/>
+          </a:p>
+        </p:txBody>
+      </p:sp>
+      <p:pic>
+        <p:nvPicPr>
+          <p:cNvPr id="9" name="그림 8">
+            <a:extLst>
+              <a:ext uri="{FF2B5EF4-FFF2-40B4-BE49-F238E27FC236}">
+                <a16:creationId xmlns:a16="http://schemas.microsoft.com/office/drawing/2014/main" id="{C802E6B3-08E4-C355-41C2-715CF990461E}"/>
+              </a:ext>
+            </a:extLst>
+          </p:cNvPr>
+          <p:cNvPicPr>
+            <a:picLocks noChangeAspect="1"/>
+          </p:cNvPicPr>
+          <p:nvPr/>
+        </p:nvPicPr>
+        <p:blipFill>
+          <a:blip r:embed="rId3"/>
+          <a:stretch>
+            <a:fillRect/>
+          </a:stretch>
+        </p:blipFill>
+        <p:spPr>
+          <a:xfrm>
+            <a:off x="3454889" y="2573554"/>
+            <a:ext cx="2583899" cy="638497"/>
+          </a:xfrm>
+          <a:prstGeom prst="rect">
+            <a:avLst/>
+          </a:prstGeom>
+        </p:spPr>
+      </p:pic>
+      <p:sp>
+        <p:nvSpPr>
+          <p:cNvPr id="13" name="화살표: 오른쪽 12">
+            <a:extLst>
+              <a:ext uri="{FF2B5EF4-FFF2-40B4-BE49-F238E27FC236}">
+                <a16:creationId xmlns:a16="http://schemas.microsoft.com/office/drawing/2014/main" id="{326EB131-D092-45B4-D780-82EF23D4EFF9}"/>
+              </a:ext>
+            </a:extLst>
+          </p:cNvPr>
+          <p:cNvSpPr/>
+          <p:nvPr/>
+        </p:nvSpPr>
+        <p:spPr>
+          <a:xfrm>
+            <a:off x="6199827" y="2595036"/>
+            <a:ext cx="287224" cy="336844"/>
+          </a:xfrm>
+          <a:prstGeom prst="rightArrow">
+            <a:avLst/>
+          </a:prstGeom>
+        </p:spPr>
+        <p:style>
+          <a:lnRef idx="2">
+            <a:schemeClr val="accent1">
+              <a:shade val="50000"/>
+            </a:schemeClr>
+          </a:lnRef>
+          <a:fillRef idx="1">
+            <a:schemeClr val="accent1"/>
+          </a:fillRef>
+          <a:effectRef idx="0">
+            <a:schemeClr val="accent1"/>
+          </a:effectRef>
+          <a:fontRef idx="minor">
+            <a:schemeClr val="lt1"/>
+          </a:fontRef>
+        </p:style>
+        <p:txBody>
+          <a:bodyPr rtlCol="0" anchor="ctr"/>
+          <a:lstStyle/>
+          <a:p>
+            <a:pPr algn="ctr"/>
+            <a:endParaRPr lang="ko-KR" altLang="en-US"/>
+          </a:p>
+        </p:txBody>
+      </p:sp>
+      <p:pic>
+        <p:nvPicPr>
+          <p:cNvPr id="14" name="그림 13">
+            <a:extLst>
+              <a:ext uri="{FF2B5EF4-FFF2-40B4-BE49-F238E27FC236}">
+                <a16:creationId xmlns:a16="http://schemas.microsoft.com/office/drawing/2014/main" id="{B2B475A8-B9E5-E4C5-68D0-6C9875A72C9F}"/>
+              </a:ext>
+            </a:extLst>
+          </p:cNvPr>
+          <p:cNvPicPr>
+            <a:picLocks noChangeAspect="1"/>
+          </p:cNvPicPr>
+          <p:nvPr/>
+        </p:nvPicPr>
+        <p:blipFill>
+          <a:blip r:embed="rId4"/>
+          <a:stretch>
+            <a:fillRect/>
+          </a:stretch>
+        </p:blipFill>
+        <p:spPr>
+          <a:xfrm>
+            <a:off x="6572096" y="1962766"/>
+            <a:ext cx="5264770" cy="2360268"/>
+          </a:xfrm>
+          <a:prstGeom prst="rect">
+            <a:avLst/>
+          </a:prstGeom>
+        </p:spPr>
+      </p:pic>
+      <p:pic>
+        <p:nvPicPr>
+          <p:cNvPr id="18" name="그림 17">
+            <a:extLst>
+              <a:ext uri="{FF2B5EF4-FFF2-40B4-BE49-F238E27FC236}">
+                <a16:creationId xmlns:a16="http://schemas.microsoft.com/office/drawing/2014/main" id="{287A0CCE-ACF9-4189-004D-C0B98AC76CBF}"/>
+              </a:ext>
+            </a:extLst>
+          </p:cNvPr>
+          <p:cNvPicPr>
+            <a:picLocks noChangeAspect="1"/>
+          </p:cNvPicPr>
+          <p:nvPr/>
+        </p:nvPicPr>
+        <p:blipFill>
+          <a:blip r:embed="rId5"/>
+          <a:stretch>
+            <a:fillRect/>
+          </a:stretch>
+        </p:blipFill>
+        <p:spPr>
+          <a:xfrm>
+            <a:off x="539732" y="2491273"/>
+            <a:ext cx="2365101" cy="2992533"/>
+          </a:xfrm>
+          <a:prstGeom prst="rect">
+            <a:avLst/>
+          </a:prstGeom>
+        </p:spPr>
+      </p:pic>
+      <p:pic>
+        <p:nvPicPr>
+          <p:cNvPr id="20" name="그림 19">
+            <a:extLst>
+              <a:ext uri="{FF2B5EF4-FFF2-40B4-BE49-F238E27FC236}">
+                <a16:creationId xmlns:a16="http://schemas.microsoft.com/office/drawing/2014/main" id="{D64B395C-3359-D080-EB75-A27099D11C60}"/>
+              </a:ext>
+            </a:extLst>
+          </p:cNvPr>
+          <p:cNvPicPr>
+            <a:picLocks noChangeAspect="1"/>
+          </p:cNvPicPr>
+          <p:nvPr/>
+        </p:nvPicPr>
+        <p:blipFill>
+          <a:blip r:embed="rId6"/>
+          <a:stretch>
+            <a:fillRect/>
+          </a:stretch>
+        </p:blipFill>
+        <p:spPr>
+          <a:xfrm>
+            <a:off x="3417729" y="4851541"/>
+            <a:ext cx="2621059" cy="632265"/>
+          </a:xfrm>
+          <a:prstGeom prst="rect">
+            <a:avLst/>
+          </a:prstGeom>
+        </p:spPr>
+      </p:pic>
+      <p:sp>
+        <p:nvSpPr>
+          <p:cNvPr id="21" name="화살표: 오른쪽 20">
+            <a:extLst>
+              <a:ext uri="{FF2B5EF4-FFF2-40B4-BE49-F238E27FC236}">
+                <a16:creationId xmlns:a16="http://schemas.microsoft.com/office/drawing/2014/main" id="{2D8CCE2A-8202-0FAE-6022-ED8CE19070B1}"/>
+              </a:ext>
+            </a:extLst>
+          </p:cNvPr>
+          <p:cNvSpPr/>
+          <p:nvPr/>
+        </p:nvSpPr>
+        <p:spPr>
+          <a:xfrm>
+            <a:off x="3001837" y="5013251"/>
+            <a:ext cx="287224" cy="336844"/>
+          </a:xfrm>
+          <a:prstGeom prst="rightArrow">
+            <a:avLst/>
+          </a:prstGeom>
+        </p:spPr>
+        <p:style>
+          <a:lnRef idx="2">
+            <a:schemeClr val="accent1">
+              <a:shade val="50000"/>
+            </a:schemeClr>
+          </a:lnRef>
+          <a:fillRef idx="1">
+            <a:schemeClr val="accent1"/>
+          </a:fillRef>
+          <a:effectRef idx="0">
+            <a:schemeClr val="accent1"/>
+          </a:effectRef>
+          <a:fontRef idx="minor">
+            <a:schemeClr val="lt1"/>
+          </a:fontRef>
+        </p:style>
+        <p:txBody>
+          <a:bodyPr rtlCol="0" anchor="ctr"/>
+          <a:lstStyle/>
+          <a:p>
+            <a:pPr algn="ctr"/>
+            <a:endParaRPr lang="ko-KR" altLang="en-US"/>
+          </a:p>
+        </p:txBody>
+      </p:sp>
+      <p:sp>
+        <p:nvSpPr>
+          <p:cNvPr id="22" name="직사각형 21">
+            <a:extLst>
+              <a:ext uri="{FF2B5EF4-FFF2-40B4-BE49-F238E27FC236}">
+                <a16:creationId xmlns:a16="http://schemas.microsoft.com/office/drawing/2014/main" id="{A88755A6-C85D-0E46-7C8A-85318F55B936}"/>
+              </a:ext>
+            </a:extLst>
+          </p:cNvPr>
+          <p:cNvSpPr/>
+          <p:nvPr/>
+        </p:nvSpPr>
+        <p:spPr>
+          <a:xfrm>
+            <a:off x="3468064" y="5572364"/>
+            <a:ext cx="2818104" cy="336844"/>
+          </a:xfrm>
+          <a:prstGeom prst="rect">
+            <a:avLst/>
+          </a:prstGeom>
+          <a:solidFill>
+            <a:schemeClr val="bg1"/>
+          </a:solidFill>
+        </p:spPr>
+        <p:style>
+          <a:lnRef idx="2">
+            <a:schemeClr val="accent1">
+              <a:shade val="50000"/>
+            </a:schemeClr>
+          </a:lnRef>
+          <a:fillRef idx="1">
+            <a:schemeClr val="accent1"/>
+          </a:fillRef>
+          <a:effectRef idx="0">
+            <a:schemeClr val="accent1"/>
+          </a:effectRef>
+          <a:fontRef idx="minor">
+            <a:schemeClr val="lt1"/>
+          </a:fontRef>
+        </p:style>
+        <p:txBody>
+          <a:bodyPr rtlCol="0" anchor="ctr"/>
+          <a:lstStyle/>
+          <a:p>
+            <a:pPr algn="ctr"/>
+            <a:r>
+              <a:rPr lang="ko-KR" altLang="en-US" dirty="0">
+                <a:solidFill>
+                  <a:schemeClr val="tx1"/>
+                </a:solidFill>
+              </a:rPr>
+              <a:t>실패 시 실패 텍스트 출력</a:t>
+            </a:r>
+          </a:p>
+        </p:txBody>
+      </p:sp>
+      <p:sp>
+        <p:nvSpPr>
+          <p:cNvPr id="23" name="직사각형 22">
+            <a:extLst>
+              <a:ext uri="{FF2B5EF4-FFF2-40B4-BE49-F238E27FC236}">
+                <a16:creationId xmlns:a16="http://schemas.microsoft.com/office/drawing/2014/main" id="{24CF4383-420A-ADED-A807-81DD89CE186C}"/>
+              </a:ext>
+            </a:extLst>
+          </p:cNvPr>
+          <p:cNvSpPr/>
+          <p:nvPr/>
+        </p:nvSpPr>
+        <p:spPr>
+          <a:xfrm>
+            <a:off x="3381723" y="3293856"/>
+            <a:ext cx="2818104" cy="336844"/>
+          </a:xfrm>
+          <a:prstGeom prst="rect">
+            <a:avLst/>
+          </a:prstGeom>
+          <a:solidFill>
+            <a:schemeClr val="bg1"/>
+          </a:solidFill>
+        </p:spPr>
+        <p:style>
+          <a:lnRef idx="2">
+            <a:schemeClr val="accent1">
+              <a:shade val="50000"/>
+            </a:schemeClr>
+          </a:lnRef>
+          <a:fillRef idx="1">
+            <a:schemeClr val="accent1"/>
+          </a:fillRef>
+          <a:effectRef idx="0">
+            <a:schemeClr val="accent1"/>
+          </a:effectRef>
+          <a:fontRef idx="minor">
+            <a:schemeClr val="lt1"/>
+          </a:fontRef>
+        </p:style>
+        <p:txBody>
+          <a:bodyPr rtlCol="0" anchor="ctr"/>
+          <a:lstStyle/>
+          <a:p>
+            <a:pPr algn="ctr"/>
+            <a:r>
+              <a:rPr lang="ko-KR" altLang="en-US" dirty="0">
+                <a:solidFill>
+                  <a:schemeClr val="tx1"/>
+                </a:solidFill>
+              </a:rPr>
+              <a:t>성공 시 성공 텍스트 출력</a:t>
+            </a:r>
+          </a:p>
+        </p:txBody>
+      </p:sp>
+      <p:sp>
+        <p:nvSpPr>
+          <p:cNvPr id="24" name="직사각형 23">
+            <a:extLst>
+              <a:ext uri="{FF2B5EF4-FFF2-40B4-BE49-F238E27FC236}">
+                <a16:creationId xmlns:a16="http://schemas.microsoft.com/office/drawing/2014/main" id="{471484A9-13F7-AB99-8B76-464E23CDFD67}"/>
+              </a:ext>
+            </a:extLst>
+          </p:cNvPr>
+          <p:cNvSpPr/>
+          <p:nvPr/>
+        </p:nvSpPr>
+        <p:spPr>
+          <a:xfrm>
+            <a:off x="6612107" y="4381757"/>
+            <a:ext cx="2818104" cy="336844"/>
+          </a:xfrm>
+          <a:prstGeom prst="rect">
+            <a:avLst/>
+          </a:prstGeom>
+          <a:solidFill>
+            <a:schemeClr val="bg1"/>
+          </a:solidFill>
+        </p:spPr>
+        <p:style>
+          <a:lnRef idx="2">
+            <a:schemeClr val="accent1">
+              <a:shade val="50000"/>
+            </a:schemeClr>
+          </a:lnRef>
+          <a:fillRef idx="1">
+            <a:schemeClr val="accent1"/>
+          </a:fillRef>
+          <a:effectRef idx="0">
+            <a:schemeClr val="accent1"/>
+          </a:effectRef>
+          <a:fontRef idx="minor">
+            <a:schemeClr val="lt1"/>
+          </a:fontRef>
+        </p:style>
+        <p:txBody>
+          <a:bodyPr rtlCol="0" anchor="ctr"/>
+          <a:lstStyle/>
+          <a:p>
+            <a:pPr algn="ctr"/>
+            <a:r>
+              <a:rPr lang="ko-KR" altLang="en-US" dirty="0">
+                <a:solidFill>
+                  <a:schemeClr val="tx1"/>
+                </a:solidFill>
+              </a:rPr>
+              <a:t>이메일 수신 시 내용</a:t>
+            </a:r>
+          </a:p>
+        </p:txBody>
+      </p:sp>
     </p:spTree>
     <p:extLst>
       <p:ext uri="{BB962C8B-B14F-4D97-AF65-F5344CB8AC3E}">
-        <p14:creationId xmlns:p14="http://schemas.microsoft.com/office/powerpoint/2010/main" val="1026048039"/>
+        <p14:creationId xmlns:p14="http://schemas.microsoft.com/office/powerpoint/2010/main" val="454228358"/>
+      </p:ext>
+    </p:extLst>
+  </p:cSld>
+  <p:clrMapOvr>
+    <a:masterClrMapping/>
+  </p:clrMapOvr>
+</p:sld>
+</file>
+
+<file path=ppt/slides/slide7.xml><?xml version="1.0" encoding="utf-8"?>
+<p:sld xmlns:a="http://schemas.openxmlformats.org/drawingml/2006/main" xmlns:r="http://schemas.openxmlformats.org/officeDocument/2006/relationships" xmlns:p="http://schemas.openxmlformats.org/presentationml/2006/main">
+  <p:cSld>
+    <p:spTree>
+      <p:nvGrpSpPr>
+        <p:cNvPr id="1" name=""/>
+        <p:cNvGrpSpPr/>
+        <p:nvPr/>
+      </p:nvGrpSpPr>
+      <p:grpSpPr>
+        <a:xfrm>
+          <a:off x="0" y="0"/>
+          <a:ext cx="0" cy="0"/>
+          <a:chOff x="0" y="0"/>
+          <a:chExt cx="0" cy="0"/>
+        </a:xfrm>
+      </p:grpSpPr>
+      <p:pic>
+        <p:nvPicPr>
+          <p:cNvPr id="12" name="Picture 2" descr="마음으로 집 아이콘 | 프리미엄 벡터">
+            <a:extLst>
+              <a:ext uri="{FF2B5EF4-FFF2-40B4-BE49-F238E27FC236}">
+                <a16:creationId xmlns:a16="http://schemas.microsoft.com/office/drawing/2014/main" id="{DAB05AF1-10AE-6FBD-C5EA-C5FD58249F90}"/>
+              </a:ext>
+            </a:extLst>
+          </p:cNvPr>
+          <p:cNvPicPr>
+            <a:picLocks noChangeAspect="1" noChangeArrowheads="1"/>
+          </p:cNvPicPr>
+          <p:nvPr/>
+        </p:nvPicPr>
+        <p:blipFill>
+          <a:blip r:embed="rId2">
+            <a:extLst>
+              <a:ext uri="{28A0092B-C50C-407E-A947-70E740481C1C}">
+                <a14:useLocalDpi xmlns:a14="http://schemas.microsoft.com/office/drawing/2010/main" val="0"/>
+              </a:ext>
+            </a:extLst>
+          </a:blip>
+          <a:srcRect/>
+          <a:stretch>
+            <a:fillRect/>
+          </a:stretch>
+        </p:blipFill>
+        <p:spPr bwMode="auto">
+          <a:xfrm>
+            <a:off x="4483192" y="1058066"/>
+            <a:ext cx="638497" cy="638497"/>
+          </a:xfrm>
+          <a:prstGeom prst="rect">
+            <a:avLst/>
+          </a:prstGeom>
+          <a:noFill/>
+          <a:extLst>
+            <a:ext uri="{909E8E84-426E-40DD-AFC4-6F175D3DCCD1}">
+              <a14:hiddenFill xmlns:a14="http://schemas.microsoft.com/office/drawing/2010/main">
+                <a:solidFill>
+                  <a:srgbClr val="FFFFFF"/>
+                </a:solidFill>
+              </a14:hiddenFill>
+            </a:ext>
+          </a:extLst>
+        </p:spPr>
+      </p:pic>
+      <p:sp>
+        <p:nvSpPr>
+          <p:cNvPr id="6" name="화살표: 오른쪽 5">
+            <a:extLst>
+              <a:ext uri="{FF2B5EF4-FFF2-40B4-BE49-F238E27FC236}">
+                <a16:creationId xmlns:a16="http://schemas.microsoft.com/office/drawing/2014/main" id="{8302E30F-5CFE-CEE9-F1C0-3EA9B6B2CEAA}"/>
+              </a:ext>
+            </a:extLst>
+          </p:cNvPr>
+          <p:cNvSpPr/>
+          <p:nvPr/>
+        </p:nvSpPr>
+        <p:spPr>
+          <a:xfrm>
+            <a:off x="4304414" y="3260578"/>
+            <a:ext cx="248973" cy="336844"/>
+          </a:xfrm>
+          <a:prstGeom prst="rightArrow">
+            <a:avLst/>
+          </a:prstGeom>
+        </p:spPr>
+        <p:style>
+          <a:lnRef idx="2">
+            <a:schemeClr val="accent1">
+              <a:shade val="50000"/>
+            </a:schemeClr>
+          </a:lnRef>
+          <a:fillRef idx="1">
+            <a:schemeClr val="accent1"/>
+          </a:fillRef>
+          <a:effectRef idx="0">
+            <a:schemeClr val="accent1"/>
+          </a:effectRef>
+          <a:fontRef idx="minor">
+            <a:schemeClr val="lt1"/>
+          </a:fontRef>
+        </p:style>
+        <p:txBody>
+          <a:bodyPr rtlCol="0" anchor="ctr"/>
+          <a:lstStyle/>
+          <a:p>
+            <a:pPr algn="ctr"/>
+            <a:endParaRPr lang="ko-KR" altLang="en-US"/>
+          </a:p>
+        </p:txBody>
+      </p:sp>
+      <p:sp>
+        <p:nvSpPr>
+          <p:cNvPr id="22" name="직사각형 21">
+            <a:extLst>
+              <a:ext uri="{FF2B5EF4-FFF2-40B4-BE49-F238E27FC236}">
+                <a16:creationId xmlns:a16="http://schemas.microsoft.com/office/drawing/2014/main" id="{A88755A6-C85D-0E46-7C8A-85318F55B936}"/>
+              </a:ext>
+            </a:extLst>
+          </p:cNvPr>
+          <p:cNvSpPr/>
+          <p:nvPr/>
+        </p:nvSpPr>
+        <p:spPr>
+          <a:xfrm>
+            <a:off x="4961303" y="4002715"/>
+            <a:ext cx="6933837" cy="336844"/>
+          </a:xfrm>
+          <a:prstGeom prst="rect">
+            <a:avLst/>
+          </a:prstGeom>
+          <a:solidFill>
+            <a:schemeClr val="bg1"/>
+          </a:solidFill>
+        </p:spPr>
+        <p:style>
+          <a:lnRef idx="2">
+            <a:schemeClr val="accent1">
+              <a:shade val="50000"/>
+            </a:schemeClr>
+          </a:lnRef>
+          <a:fillRef idx="1">
+            <a:schemeClr val="accent1"/>
+          </a:fillRef>
+          <a:effectRef idx="0">
+            <a:schemeClr val="accent1"/>
+          </a:effectRef>
+          <a:fontRef idx="minor">
+            <a:schemeClr val="lt1"/>
+          </a:fontRef>
+        </p:style>
+        <p:txBody>
+          <a:bodyPr rtlCol="0" anchor="ctr"/>
+          <a:lstStyle/>
+          <a:p>
+            <a:pPr algn="ctr"/>
+            <a:r>
+              <a:rPr lang="ko-KR" altLang="en-US" dirty="0">
+                <a:solidFill>
+                  <a:schemeClr val="tx1"/>
+                </a:solidFill>
+              </a:rPr>
+              <a:t>검색하지 않거나 도시 선택 안 할 시 메일 발송 시도 시 텍스트 출력</a:t>
+            </a:r>
+          </a:p>
+        </p:txBody>
+      </p:sp>
+      <p:pic>
+        <p:nvPicPr>
+          <p:cNvPr id="5" name="그림 4">
+            <a:extLst>
+              <a:ext uri="{FF2B5EF4-FFF2-40B4-BE49-F238E27FC236}">
+                <a16:creationId xmlns:a16="http://schemas.microsoft.com/office/drawing/2014/main" id="{4B7DF828-C6EB-0883-08D5-694002A64418}"/>
+              </a:ext>
+            </a:extLst>
+          </p:cNvPr>
+          <p:cNvPicPr>
+            <a:picLocks noChangeAspect="1"/>
+          </p:cNvPicPr>
+          <p:nvPr/>
+        </p:nvPicPr>
+        <p:blipFill>
+          <a:blip r:embed="rId3"/>
+          <a:stretch>
+            <a:fillRect/>
+          </a:stretch>
+        </p:blipFill>
+        <p:spPr>
+          <a:xfrm>
+            <a:off x="1183752" y="2000441"/>
+            <a:ext cx="2452456" cy="3966847"/>
+          </a:xfrm>
+          <a:prstGeom prst="rect">
+            <a:avLst/>
+          </a:prstGeom>
+        </p:spPr>
+      </p:pic>
+      <p:pic>
+        <p:nvPicPr>
+          <p:cNvPr id="8" name="그림 7">
+            <a:extLst>
+              <a:ext uri="{FF2B5EF4-FFF2-40B4-BE49-F238E27FC236}">
+                <a16:creationId xmlns:a16="http://schemas.microsoft.com/office/drawing/2014/main" id="{CD435195-7AE4-80D3-69A2-E322A29446C4}"/>
+              </a:ext>
+            </a:extLst>
+          </p:cNvPr>
+          <p:cNvPicPr>
+            <a:picLocks noChangeAspect="1"/>
+          </p:cNvPicPr>
+          <p:nvPr/>
+        </p:nvPicPr>
+        <p:blipFill>
+          <a:blip r:embed="rId4"/>
+          <a:stretch>
+            <a:fillRect/>
+          </a:stretch>
+        </p:blipFill>
+        <p:spPr>
+          <a:xfrm>
+            <a:off x="4961304" y="3033986"/>
+            <a:ext cx="6933837" cy="790028"/>
+          </a:xfrm>
+          <a:prstGeom prst="rect">
+            <a:avLst/>
+          </a:prstGeom>
+        </p:spPr>
+      </p:pic>
+      <p:sp>
+        <p:nvSpPr>
+          <p:cNvPr id="25" name="제목 1">
+            <a:extLst>
+              <a:ext uri="{FF2B5EF4-FFF2-40B4-BE49-F238E27FC236}">
+                <a16:creationId xmlns:a16="http://schemas.microsoft.com/office/drawing/2014/main" id="{1B64B992-00B4-8C3A-7741-7A410E306316}"/>
+              </a:ext>
+            </a:extLst>
+          </p:cNvPr>
+          <p:cNvSpPr txBox="1">
+            <a:spLocks/>
+          </p:cNvSpPr>
+          <p:nvPr/>
+        </p:nvSpPr>
+        <p:spPr>
+          <a:xfrm>
+            <a:off x="4428901" y="1169547"/>
+            <a:ext cx="5282823" cy="415533"/>
+          </a:xfrm>
+          <a:prstGeom prst="rect">
+            <a:avLst/>
+          </a:prstGeom>
+        </p:spPr>
+        <p:txBody>
+          <a:bodyPr vert="horz" lIns="91440" tIns="45720" rIns="91440" bIns="45720" rtlCol="0" anchor="ctr">
+            <a:normAutofit fontScale="85000" lnSpcReduction="20000"/>
+          </a:bodyPr>
+          <a:lstStyle>
+            <a:lvl1pPr algn="l" defTabSz="914400" rtl="0" eaLnBrk="1" latinLnBrk="1" hangingPunct="1">
+              <a:lnSpc>
+                <a:spcPct val="90000"/>
+              </a:lnSpc>
+              <a:spcBef>
+                <a:spcPct val="0"/>
+              </a:spcBef>
+              <a:buNone/>
+              <a:defRPr sz="3200" b="0" i="0" kern="1200" cap="all">
+                <a:solidFill>
+                  <a:schemeClr val="tx1"/>
+                </a:solidFill>
+                <a:effectLst/>
+                <a:latin typeface="+mj-lt"/>
+                <a:ea typeface="+mj-ea"/>
+                <a:cs typeface="+mj-cs"/>
+              </a:defRPr>
+            </a:lvl1pPr>
+          </a:lstStyle>
+          <a:p>
+            <a:pPr algn="ctr"/>
+            <a:r>
+              <a:rPr lang="ko-KR" altLang="en-US" dirty="0">
+                <a:latin typeface="휴먼둥근헤드라인" panose="02030504000101010101" pitchFamily="18" charset="-127"/>
+                <a:ea typeface="휴먼둥근헤드라인" panose="02030504000101010101" pitchFamily="18" charset="-127"/>
+              </a:rPr>
+              <a:t>  </a:t>
+            </a:r>
+            <a:r>
+              <a:rPr lang="ko-KR" altLang="en-US" u="sng" dirty="0">
+                <a:latin typeface="휴먼둥근헤드라인" panose="02030504000101010101" pitchFamily="18" charset="-127"/>
+                <a:ea typeface="휴먼둥근헤드라인" panose="02030504000101010101" pitchFamily="18" charset="-127"/>
+              </a:rPr>
+              <a:t>지역검색 및 이메일 전송</a:t>
+            </a:r>
+          </a:p>
+        </p:txBody>
+      </p:sp>
+    </p:spTree>
+    <p:extLst>
+      <p:ext uri="{BB962C8B-B14F-4D97-AF65-F5344CB8AC3E}">
+        <p14:creationId xmlns:p14="http://schemas.microsoft.com/office/powerpoint/2010/main" val="1352586588"/>
+      </p:ext>
+    </p:extLst>
+  </p:cSld>
+  <p:clrMapOvr>
+    <a:masterClrMapping/>
+  </p:clrMapOvr>
+</p:sld>
+</file>
+
+<file path=ppt/slides/slide8.xml><?xml version="1.0" encoding="utf-8"?>
+<p:sld xmlns:a="http://schemas.openxmlformats.org/drawingml/2006/main" xmlns:r="http://schemas.openxmlformats.org/officeDocument/2006/relationships" xmlns:p="http://schemas.openxmlformats.org/presentationml/2006/main">
+  <p:cSld>
+    <p:spTree>
+      <p:nvGrpSpPr>
+        <p:cNvPr id="1" name=""/>
+        <p:cNvGrpSpPr/>
+        <p:nvPr/>
+      </p:nvGrpSpPr>
+      <p:grpSpPr>
+        <a:xfrm>
+          <a:off x="0" y="0"/>
+          <a:ext cx="0" cy="0"/>
+          <a:chOff x="0" y="0"/>
+          <a:chExt cx="0" cy="0"/>
+        </a:xfrm>
+      </p:grpSpPr>
+      <p:sp>
+        <p:nvSpPr>
+          <p:cNvPr id="5" name="제목 1">
+            <a:extLst>
+              <a:ext uri="{FF2B5EF4-FFF2-40B4-BE49-F238E27FC236}">
+                <a16:creationId xmlns:a16="http://schemas.microsoft.com/office/drawing/2014/main" id="{327408F9-FFDE-B41E-3895-AA8D21016637}"/>
+              </a:ext>
+            </a:extLst>
+          </p:cNvPr>
+          <p:cNvSpPr txBox="1">
+            <a:spLocks/>
+          </p:cNvSpPr>
+          <p:nvPr/>
+        </p:nvSpPr>
+        <p:spPr>
+          <a:xfrm>
+            <a:off x="4179229" y="1183888"/>
+            <a:ext cx="3833541" cy="415533"/>
+          </a:xfrm>
+          <a:prstGeom prst="rect">
+            <a:avLst/>
+          </a:prstGeom>
+        </p:spPr>
+        <p:txBody>
+          <a:bodyPr vert="horz" lIns="91440" tIns="45720" rIns="91440" bIns="45720" rtlCol="0" anchor="ctr">
+            <a:normAutofit fontScale="92500" lnSpcReduction="20000"/>
+          </a:bodyPr>
+          <a:lstStyle>
+            <a:lvl1pPr algn="l" defTabSz="914400" rtl="0" eaLnBrk="1" latinLnBrk="1" hangingPunct="1">
+              <a:lnSpc>
+                <a:spcPct val="90000"/>
+              </a:lnSpc>
+              <a:spcBef>
+                <a:spcPct val="0"/>
+              </a:spcBef>
+              <a:buNone/>
+              <a:defRPr sz="3200" b="0" i="0" kern="1200" cap="all">
+                <a:solidFill>
+                  <a:schemeClr val="tx1"/>
+                </a:solidFill>
+                <a:effectLst/>
+                <a:latin typeface="+mj-lt"/>
+                <a:ea typeface="+mj-ea"/>
+                <a:cs typeface="+mj-cs"/>
+              </a:defRPr>
+            </a:lvl1pPr>
+          </a:lstStyle>
+          <a:p>
+            <a:pPr algn="ctr"/>
+            <a:r>
+              <a:rPr lang="ko-KR" altLang="en-US" dirty="0">
+                <a:latin typeface="휴먼둥근헤드라인" panose="02030504000101010101" pitchFamily="18" charset="-127"/>
+                <a:ea typeface="휴먼둥근헤드라인" panose="02030504000101010101" pitchFamily="18" charset="-127"/>
+              </a:rPr>
+              <a:t> </a:t>
+            </a:r>
+            <a:r>
+              <a:rPr lang="en-US" altLang="ko-KR" dirty="0">
+                <a:latin typeface="휴먼둥근헤드라인" panose="02030504000101010101" pitchFamily="18" charset="-127"/>
+                <a:ea typeface="휴먼둥근헤드라인" panose="02030504000101010101" pitchFamily="18" charset="-127"/>
+              </a:rPr>
+              <a:t>C/C++ </a:t>
+            </a:r>
+            <a:r>
+              <a:rPr lang="ko-KR" altLang="en-US" dirty="0">
+                <a:latin typeface="휴먼둥근헤드라인" panose="02030504000101010101" pitchFamily="18" charset="-127"/>
+                <a:ea typeface="휴먼둥근헤드라인" panose="02030504000101010101" pitchFamily="18" charset="-127"/>
+              </a:rPr>
+              <a:t>연동</a:t>
+            </a:r>
+            <a:endParaRPr lang="ko-KR" altLang="en-US" u="sng" dirty="0">
+              <a:latin typeface="휴먼둥근헤드라인" panose="02030504000101010101" pitchFamily="18" charset="-127"/>
+              <a:ea typeface="휴먼둥근헤드라인" panose="02030504000101010101" pitchFamily="18" charset="-127"/>
+            </a:endParaRPr>
+          </a:p>
+        </p:txBody>
+      </p:sp>
+      <p:pic>
+        <p:nvPicPr>
+          <p:cNvPr id="6" name="Picture 2" descr="마음으로 집 아이콘 | 프리미엄 벡터">
+            <a:extLst>
+              <a:ext uri="{FF2B5EF4-FFF2-40B4-BE49-F238E27FC236}">
+                <a16:creationId xmlns:a16="http://schemas.microsoft.com/office/drawing/2014/main" id="{4D7E9A7C-E1FD-754B-E708-4AE136DF1C90}"/>
+              </a:ext>
+            </a:extLst>
+          </p:cNvPr>
+          <p:cNvPicPr>
+            <a:picLocks noChangeAspect="1" noChangeArrowheads="1"/>
+          </p:cNvPicPr>
+          <p:nvPr/>
+        </p:nvPicPr>
+        <p:blipFill>
+          <a:blip r:embed="rId2">
+            <a:extLst>
+              <a:ext uri="{28A0092B-C50C-407E-A947-70E740481C1C}">
+                <a14:useLocalDpi xmlns:a14="http://schemas.microsoft.com/office/drawing/2010/main" val="0"/>
+              </a:ext>
+            </a:extLst>
+          </a:blip>
+          <a:srcRect/>
+          <a:stretch>
+            <a:fillRect/>
+          </a:stretch>
+        </p:blipFill>
+        <p:spPr bwMode="auto">
+          <a:xfrm>
+            <a:off x="4265078" y="1072405"/>
+            <a:ext cx="638497" cy="638497"/>
+          </a:xfrm>
+          <a:prstGeom prst="rect">
+            <a:avLst/>
+          </a:prstGeom>
+          <a:noFill/>
+          <a:extLst>
+            <a:ext uri="{909E8E84-426E-40DD-AFC4-6F175D3DCCD1}">
+              <a14:hiddenFill xmlns:a14="http://schemas.microsoft.com/office/drawing/2010/main">
+                <a:solidFill>
+                  <a:srgbClr val="FFFFFF"/>
+                </a:solidFill>
+              </a14:hiddenFill>
+            </a:ext>
+          </a:extLst>
+        </p:spPr>
+      </p:pic>
+      <p:pic>
+        <p:nvPicPr>
+          <p:cNvPr id="13" name="내용 개체 틀 12">
+            <a:extLst>
+              <a:ext uri="{FF2B5EF4-FFF2-40B4-BE49-F238E27FC236}">
+                <a16:creationId xmlns:a16="http://schemas.microsoft.com/office/drawing/2014/main" id="{207B9756-B173-F374-6DF3-1FB8190C5A6D}"/>
+              </a:ext>
+            </a:extLst>
+          </p:cNvPr>
+          <p:cNvPicPr>
+            <a:picLocks noGrp="1" noChangeAspect="1"/>
+          </p:cNvPicPr>
+          <p:nvPr>
+            <p:ph idx="1"/>
+          </p:nvPr>
+        </p:nvPicPr>
+        <p:blipFill rotWithShape="1">
+          <a:blip r:embed="rId3">
+            <a:extLst>
+              <a:ext uri="{28A0092B-C50C-407E-A947-70E740481C1C}">
+                <a14:useLocalDpi xmlns:a14="http://schemas.microsoft.com/office/drawing/2010/main" val="0"/>
+              </a:ext>
+            </a:extLst>
+          </a:blip>
+          <a:srcRect t="219" r="86352" b="31490"/>
+          <a:stretch/>
+        </p:blipFill>
+        <p:spPr>
+          <a:xfrm>
+            <a:off x="7337707" y="1917080"/>
+            <a:ext cx="2449220" cy="3992168"/>
+          </a:xfrm>
+        </p:spPr>
+      </p:pic>
+      <p:pic>
+        <p:nvPicPr>
+          <p:cNvPr id="15" name="그림 14">
+            <a:extLst>
+              <a:ext uri="{FF2B5EF4-FFF2-40B4-BE49-F238E27FC236}">
+                <a16:creationId xmlns:a16="http://schemas.microsoft.com/office/drawing/2014/main" id="{1E2C7F51-9860-528C-1989-45423E127988}"/>
+              </a:ext>
+            </a:extLst>
+          </p:cNvPr>
+          <p:cNvPicPr>
+            <a:picLocks noChangeAspect="1"/>
+          </p:cNvPicPr>
+          <p:nvPr/>
+        </p:nvPicPr>
+        <p:blipFill>
+          <a:blip r:embed="rId4"/>
+          <a:stretch>
+            <a:fillRect/>
+          </a:stretch>
+        </p:blipFill>
+        <p:spPr>
+          <a:xfrm>
+            <a:off x="1469936" y="2040733"/>
+            <a:ext cx="3503280" cy="3744862"/>
+          </a:xfrm>
+          <a:prstGeom prst="rect">
+            <a:avLst/>
+          </a:prstGeom>
+        </p:spPr>
+      </p:pic>
+      <p:sp>
+        <p:nvSpPr>
+          <p:cNvPr id="16" name="화살표: 오른쪽 15">
+            <a:extLst>
+              <a:ext uri="{FF2B5EF4-FFF2-40B4-BE49-F238E27FC236}">
+                <a16:creationId xmlns:a16="http://schemas.microsoft.com/office/drawing/2014/main" id="{BB0A4996-8683-C37F-1DED-587634FABA16}"/>
+              </a:ext>
+            </a:extLst>
+          </p:cNvPr>
+          <p:cNvSpPr/>
+          <p:nvPr/>
+        </p:nvSpPr>
+        <p:spPr>
+          <a:xfrm>
+            <a:off x="5854386" y="3614668"/>
+            <a:ext cx="483228" cy="566709"/>
+          </a:xfrm>
+          <a:prstGeom prst="rightArrow">
+            <a:avLst/>
+          </a:prstGeom>
+        </p:spPr>
+        <p:style>
+          <a:lnRef idx="2">
+            <a:schemeClr val="accent1">
+              <a:shade val="50000"/>
+            </a:schemeClr>
+          </a:lnRef>
+          <a:fillRef idx="1">
+            <a:schemeClr val="accent1"/>
+          </a:fillRef>
+          <a:effectRef idx="0">
+            <a:schemeClr val="accent1"/>
+          </a:effectRef>
+          <a:fontRef idx="minor">
+            <a:schemeClr val="lt1"/>
+          </a:fontRef>
+        </p:style>
+        <p:txBody>
+          <a:bodyPr rtlCol="0" anchor="ctr"/>
+          <a:lstStyle/>
+          <a:p>
+            <a:pPr algn="ctr"/>
+            <a:endParaRPr lang="ko-KR" altLang="en-US"/>
+          </a:p>
+        </p:txBody>
+      </p:sp>
+    </p:spTree>
+    <p:extLst>
+      <p:ext uri="{BB962C8B-B14F-4D97-AF65-F5344CB8AC3E}">
+        <p14:creationId xmlns:p14="http://schemas.microsoft.com/office/powerpoint/2010/main" val="2450457492"/>
+      </p:ext>
+    </p:extLst>
+  </p:cSld>
+  <p:clrMapOvr>
+    <a:masterClrMapping/>
+  </p:clrMapOvr>
+</p:sld>
+</file>
+
+<file path=ppt/slides/slide9.xml><?xml version="1.0" encoding="utf-8"?>
+<p:sld xmlns:a="http://schemas.openxmlformats.org/drawingml/2006/main" xmlns:r="http://schemas.openxmlformats.org/officeDocument/2006/relationships" xmlns:p="http://schemas.openxmlformats.org/presentationml/2006/main">
+  <p:cSld>
+    <p:spTree>
+      <p:nvGrpSpPr>
+        <p:cNvPr id="1" name=""/>
+        <p:cNvGrpSpPr/>
+        <p:nvPr/>
+      </p:nvGrpSpPr>
+      <p:grpSpPr>
+        <a:xfrm>
+          <a:off x="0" y="0"/>
+          <a:ext cx="0" cy="0"/>
+          <a:chOff x="0" y="0"/>
+          <a:chExt cx="0" cy="0"/>
+        </a:xfrm>
+      </p:grpSpPr>
+      <p:sp>
+        <p:nvSpPr>
+          <p:cNvPr id="5" name="제목 1">
+            <a:extLst>
+              <a:ext uri="{FF2B5EF4-FFF2-40B4-BE49-F238E27FC236}">
+                <a16:creationId xmlns:a16="http://schemas.microsoft.com/office/drawing/2014/main" id="{327408F9-FFDE-B41E-3895-AA8D21016637}"/>
+              </a:ext>
+            </a:extLst>
+          </p:cNvPr>
+          <p:cNvSpPr txBox="1">
+            <a:spLocks/>
+          </p:cNvSpPr>
+          <p:nvPr/>
+        </p:nvSpPr>
+        <p:spPr>
+          <a:xfrm>
+            <a:off x="4179229" y="1183888"/>
+            <a:ext cx="3833541" cy="415533"/>
+          </a:xfrm>
+          <a:prstGeom prst="rect">
+            <a:avLst/>
+          </a:prstGeom>
+        </p:spPr>
+        <p:txBody>
+          <a:bodyPr vert="horz" lIns="91440" tIns="45720" rIns="91440" bIns="45720" rtlCol="0" anchor="ctr">
+            <a:normAutofit fontScale="92500" lnSpcReduction="20000"/>
+          </a:bodyPr>
+          <a:lstStyle>
+            <a:lvl1pPr algn="l" defTabSz="914400" rtl="0" eaLnBrk="1" latinLnBrk="1" hangingPunct="1">
+              <a:lnSpc>
+                <a:spcPct val="90000"/>
+              </a:lnSpc>
+              <a:spcBef>
+                <a:spcPct val="0"/>
+              </a:spcBef>
+              <a:buNone/>
+              <a:defRPr sz="3200" b="0" i="0" kern="1200" cap="all">
+                <a:solidFill>
+                  <a:schemeClr val="tx1"/>
+                </a:solidFill>
+                <a:effectLst/>
+                <a:latin typeface="+mj-lt"/>
+                <a:ea typeface="+mj-ea"/>
+                <a:cs typeface="+mj-cs"/>
+              </a:defRPr>
+            </a:lvl1pPr>
+          </a:lstStyle>
+          <a:p>
+            <a:pPr algn="ctr"/>
+            <a:r>
+              <a:rPr lang="ko-KR" altLang="en-US" dirty="0">
+                <a:latin typeface="휴먼둥근헤드라인" panose="02030504000101010101" pitchFamily="18" charset="-127"/>
+                <a:ea typeface="휴먼둥근헤드라인" panose="02030504000101010101" pitchFamily="18" charset="-127"/>
+              </a:rPr>
+              <a:t> 배포 파일</a:t>
+            </a:r>
+            <a:endParaRPr lang="ko-KR" altLang="en-US" u="sng" dirty="0">
+              <a:latin typeface="휴먼둥근헤드라인" panose="02030504000101010101" pitchFamily="18" charset="-127"/>
+              <a:ea typeface="휴먼둥근헤드라인" panose="02030504000101010101" pitchFamily="18" charset="-127"/>
+            </a:endParaRPr>
+          </a:p>
+        </p:txBody>
+      </p:sp>
+      <p:pic>
+        <p:nvPicPr>
+          <p:cNvPr id="6" name="Picture 2" descr="마음으로 집 아이콘 | 프리미엄 벡터">
+            <a:extLst>
+              <a:ext uri="{FF2B5EF4-FFF2-40B4-BE49-F238E27FC236}">
+                <a16:creationId xmlns:a16="http://schemas.microsoft.com/office/drawing/2014/main" id="{4D7E9A7C-E1FD-754B-E708-4AE136DF1C90}"/>
+              </a:ext>
+            </a:extLst>
+          </p:cNvPr>
+          <p:cNvPicPr>
+            <a:picLocks noChangeAspect="1" noChangeArrowheads="1"/>
+          </p:cNvPicPr>
+          <p:nvPr/>
+        </p:nvPicPr>
+        <p:blipFill>
+          <a:blip r:embed="rId2">
+            <a:extLst>
+              <a:ext uri="{28A0092B-C50C-407E-A947-70E740481C1C}">
+                <a14:useLocalDpi xmlns:a14="http://schemas.microsoft.com/office/drawing/2010/main" val="0"/>
+              </a:ext>
+            </a:extLst>
+          </a:blip>
+          <a:srcRect/>
+          <a:stretch>
+            <a:fillRect/>
+          </a:stretch>
+        </p:blipFill>
+        <p:spPr bwMode="auto">
+          <a:xfrm>
+            <a:off x="4265078" y="1072405"/>
+            <a:ext cx="638497" cy="638497"/>
+          </a:xfrm>
+          <a:prstGeom prst="rect">
+            <a:avLst/>
+          </a:prstGeom>
+          <a:noFill/>
+          <a:extLst>
+            <a:ext uri="{909E8E84-426E-40DD-AFC4-6F175D3DCCD1}">
+              <a14:hiddenFill xmlns:a14="http://schemas.microsoft.com/office/drawing/2010/main">
+                <a:solidFill>
+                  <a:srgbClr val="FFFFFF"/>
+                </a:solidFill>
+              </a14:hiddenFill>
+            </a:ext>
+          </a:extLst>
+        </p:spPr>
+      </p:pic>
+      <p:sp>
+        <p:nvSpPr>
+          <p:cNvPr id="16" name="화살표: 오른쪽 15">
+            <a:extLst>
+              <a:ext uri="{FF2B5EF4-FFF2-40B4-BE49-F238E27FC236}">
+                <a16:creationId xmlns:a16="http://schemas.microsoft.com/office/drawing/2014/main" id="{BB0A4996-8683-C37F-1DED-587634FABA16}"/>
+              </a:ext>
+            </a:extLst>
+          </p:cNvPr>
+          <p:cNvSpPr/>
+          <p:nvPr/>
+        </p:nvSpPr>
+        <p:spPr>
+          <a:xfrm>
+            <a:off x="5854386" y="3614668"/>
+            <a:ext cx="483228" cy="566709"/>
+          </a:xfrm>
+          <a:prstGeom prst="rightArrow">
+            <a:avLst/>
+          </a:prstGeom>
+        </p:spPr>
+        <p:style>
+          <a:lnRef idx="2">
+            <a:schemeClr val="accent1">
+              <a:shade val="50000"/>
+            </a:schemeClr>
+          </a:lnRef>
+          <a:fillRef idx="1">
+            <a:schemeClr val="accent1"/>
+          </a:fillRef>
+          <a:effectRef idx="0">
+            <a:schemeClr val="accent1"/>
+          </a:effectRef>
+          <a:fontRef idx="minor">
+            <a:schemeClr val="lt1"/>
+          </a:fontRef>
+        </p:style>
+        <p:txBody>
+          <a:bodyPr rtlCol="0" anchor="ctr"/>
+          <a:lstStyle/>
+          <a:p>
+            <a:pPr algn="ctr"/>
+            <a:endParaRPr lang="ko-KR" altLang="en-US"/>
+          </a:p>
+        </p:txBody>
+      </p:sp>
+      <p:pic>
+        <p:nvPicPr>
+          <p:cNvPr id="7" name="그림 6">
+            <a:extLst>
+              <a:ext uri="{FF2B5EF4-FFF2-40B4-BE49-F238E27FC236}">
+                <a16:creationId xmlns:a16="http://schemas.microsoft.com/office/drawing/2014/main" id="{8A4AC84C-3CE8-EAA1-66CB-62651917E817}"/>
+              </a:ext>
+            </a:extLst>
+          </p:cNvPr>
+          <p:cNvPicPr>
+            <a:picLocks noChangeAspect="1"/>
+          </p:cNvPicPr>
+          <p:nvPr/>
+        </p:nvPicPr>
+        <p:blipFill>
+          <a:blip r:embed="rId3"/>
+          <a:stretch>
+            <a:fillRect/>
+          </a:stretch>
+        </p:blipFill>
+        <p:spPr>
+          <a:xfrm>
+            <a:off x="1137146" y="2821596"/>
+            <a:ext cx="4504886" cy="2152851"/>
+          </a:xfrm>
+          <a:prstGeom prst="rect">
+            <a:avLst/>
+          </a:prstGeom>
+        </p:spPr>
+      </p:pic>
+      <p:pic>
+        <p:nvPicPr>
+          <p:cNvPr id="9" name="그림 8">
+            <a:extLst>
+              <a:ext uri="{FF2B5EF4-FFF2-40B4-BE49-F238E27FC236}">
+                <a16:creationId xmlns:a16="http://schemas.microsoft.com/office/drawing/2014/main" id="{9D024720-2DBA-5F04-4463-AA549A2A3D9A}"/>
+              </a:ext>
+            </a:extLst>
+          </p:cNvPr>
+          <p:cNvPicPr>
+            <a:picLocks noChangeAspect="1"/>
+          </p:cNvPicPr>
+          <p:nvPr/>
+        </p:nvPicPr>
+        <p:blipFill>
+          <a:blip r:embed="rId4"/>
+          <a:stretch>
+            <a:fillRect/>
+          </a:stretch>
+        </p:blipFill>
+        <p:spPr>
+          <a:xfrm>
+            <a:off x="6787199" y="2569299"/>
+            <a:ext cx="4020111" cy="2343477"/>
+          </a:xfrm>
+          <a:prstGeom prst="rect">
+            <a:avLst/>
+          </a:prstGeom>
+        </p:spPr>
+      </p:pic>
+    </p:spTree>
+    <p:extLst>
+      <p:ext uri="{BB962C8B-B14F-4D97-AF65-F5344CB8AC3E}">
+        <p14:creationId xmlns:p14="http://schemas.microsoft.com/office/powerpoint/2010/main" val="417706416"/>
       </p:ext>
     </p:extLst>
   </p:cSld>
